--- a/doc/simschd.pptx
+++ b/doc/simschd.pptx
@@ -308,7 +308,7 @@
             <a:fld id="{3A2F3D4C-B1B2-4ED9-A806-D2C265E29E3F}" type="datetimeFigureOut">
               <a:rPr lang="en-US" smtClean="0"/>
               <a:pPr/>
-              <a:t>06/01/2020</a:t>
+              <a:t>15/01/2020</a:t>
             </a:fld>
             <a:endParaRPr lang="en-US"/>
           </a:p>
@@ -475,7 +475,7 @@
             <a:fld id="{3A2F3D4C-B1B2-4ED9-A806-D2C265E29E3F}" type="datetimeFigureOut">
               <a:rPr lang="en-US" smtClean="0"/>
               <a:pPr/>
-              <a:t>06/01/2020</a:t>
+              <a:t>15/01/2020</a:t>
             </a:fld>
             <a:endParaRPr lang="en-US"/>
           </a:p>
@@ -652,7 +652,7 @@
             <a:fld id="{3A2F3D4C-B1B2-4ED9-A806-D2C265E29E3F}" type="datetimeFigureOut">
               <a:rPr lang="en-US" smtClean="0"/>
               <a:pPr/>
-              <a:t>06/01/2020</a:t>
+              <a:t>15/01/2020</a:t>
             </a:fld>
             <a:endParaRPr lang="en-US"/>
           </a:p>
@@ -819,7 +819,7 @@
             <a:fld id="{3A2F3D4C-B1B2-4ED9-A806-D2C265E29E3F}" type="datetimeFigureOut">
               <a:rPr lang="en-US" smtClean="0"/>
               <a:pPr/>
-              <a:t>06/01/2020</a:t>
+              <a:t>15/01/2020</a:t>
             </a:fld>
             <a:endParaRPr lang="en-US"/>
           </a:p>
@@ -1062,7 +1062,7 @@
             <a:fld id="{3A2F3D4C-B1B2-4ED9-A806-D2C265E29E3F}" type="datetimeFigureOut">
               <a:rPr lang="en-US" smtClean="0"/>
               <a:pPr/>
-              <a:t>06/01/2020</a:t>
+              <a:t>15/01/2020</a:t>
             </a:fld>
             <a:endParaRPr lang="en-US"/>
           </a:p>
@@ -1347,7 +1347,7 @@
             <a:fld id="{3A2F3D4C-B1B2-4ED9-A806-D2C265E29E3F}" type="datetimeFigureOut">
               <a:rPr lang="en-US" smtClean="0"/>
               <a:pPr/>
-              <a:t>06/01/2020</a:t>
+              <a:t>15/01/2020</a:t>
             </a:fld>
             <a:endParaRPr lang="en-US"/>
           </a:p>
@@ -1766,7 +1766,7 @@
             <a:fld id="{3A2F3D4C-B1B2-4ED9-A806-D2C265E29E3F}" type="datetimeFigureOut">
               <a:rPr lang="en-US" smtClean="0"/>
               <a:pPr/>
-              <a:t>06/01/2020</a:t>
+              <a:t>15/01/2020</a:t>
             </a:fld>
             <a:endParaRPr lang="en-US"/>
           </a:p>
@@ -1881,7 +1881,7 @@
             <a:fld id="{3A2F3D4C-B1B2-4ED9-A806-D2C265E29E3F}" type="datetimeFigureOut">
               <a:rPr lang="en-US" smtClean="0"/>
               <a:pPr/>
-              <a:t>06/01/2020</a:t>
+              <a:t>15/01/2020</a:t>
             </a:fld>
             <a:endParaRPr lang="en-US"/>
           </a:p>
@@ -1973,7 +1973,7 @@
             <a:fld id="{3A2F3D4C-B1B2-4ED9-A806-D2C265E29E3F}" type="datetimeFigureOut">
               <a:rPr lang="en-US" smtClean="0"/>
               <a:pPr/>
-              <a:t>06/01/2020</a:t>
+              <a:t>15/01/2020</a:t>
             </a:fld>
             <a:endParaRPr lang="en-US"/>
           </a:p>
@@ -2247,7 +2247,7 @@
             <a:fld id="{3A2F3D4C-B1B2-4ED9-A806-D2C265E29E3F}" type="datetimeFigureOut">
               <a:rPr lang="en-US" smtClean="0"/>
               <a:pPr/>
-              <a:t>06/01/2020</a:t>
+              <a:t>15/01/2020</a:t>
             </a:fld>
             <a:endParaRPr lang="en-US"/>
           </a:p>
@@ -2497,7 +2497,7 @@
             <a:fld id="{3A2F3D4C-B1B2-4ED9-A806-D2C265E29E3F}" type="datetimeFigureOut">
               <a:rPr lang="en-US" smtClean="0"/>
               <a:pPr/>
-              <a:t>06/01/2020</a:t>
+              <a:t>15/01/2020</a:t>
             </a:fld>
             <a:endParaRPr lang="en-US"/>
           </a:p>
@@ -2707,7 +2707,7 @@
             <a:fld id="{3A2F3D4C-B1B2-4ED9-A806-D2C265E29E3F}" type="datetimeFigureOut">
               <a:rPr lang="en-US" smtClean="0"/>
               <a:pPr/>
-              <a:t>06/01/2020</a:t>
+              <a:t>15/01/2020</a:t>
             </a:fld>
             <a:endParaRPr lang="en-US"/>
           </a:p>
@@ -4413,15 +4413,85 @@
           </a:bodyPr>
           <a:lstStyle/>
           <a:p>
-            <a:pPr>
+            <a:r>
+              <a:rPr lang="en-US" dirty="0" smtClean="0"/>
+              <a:t>Simulation Framework for the Static Scheduler: </a:t>
+            </a:r>
+            <a:endParaRPr lang="en-GB" dirty="0" smtClean="0"/>
+          </a:p>
+          <a:p>
+            <a:pPr lvl="1">
               <a:buNone/>
             </a:pPr>
             <a:r>
               <a:rPr lang="en-US" dirty="0" smtClean="0">
                 <a:hlinkClick r:id="rId2"/>
               </a:rPr>
-              <a:t>https://github.com/timurkelin/simschd</a:t>
-            </a:r>
+              <a:t>https://</a:t>
+            </a:r>
+            <a:r>
+              <a:rPr lang="en-US" dirty="0" smtClean="0">
+                <a:hlinkClick r:id="rId2"/>
+              </a:rPr>
+              <a:t>github.com/timurkelin/simschd</a:t>
+            </a:r>
+            <a:endParaRPr lang="en-US" dirty="0" smtClean="0"/>
+          </a:p>
+          <a:p>
+            <a:pPr lvl="1">
+              <a:buNone/>
+            </a:pPr>
+            <a:endParaRPr lang="en-US" dirty="0" smtClean="0"/>
+          </a:p>
+          <a:p>
+            <a:r>
+              <a:rPr lang="en-US" dirty="0" err="1" smtClean="0"/>
+              <a:t>simSCHD</a:t>
+            </a:r>
+            <a:r>
+              <a:rPr lang="en-US" dirty="0" smtClean="0"/>
+              <a:t> and </a:t>
+            </a:r>
+            <a:r>
+              <a:rPr lang="en-US" dirty="0" err="1" smtClean="0"/>
+              <a:t>simSIMD</a:t>
+            </a:r>
+            <a:r>
+              <a:rPr lang="en-US" dirty="0" smtClean="0"/>
+              <a:t> </a:t>
+            </a:r>
+            <a:r>
+              <a:rPr lang="en-US" dirty="0" smtClean="0"/>
+              <a:t>Co-simulation </a:t>
+            </a:r>
+            <a:r>
+              <a:rPr lang="en-US" dirty="0" smtClean="0"/>
+              <a:t>environment</a:t>
+            </a:r>
+            <a:r>
+              <a:rPr lang="en-US" dirty="0" smtClean="0"/>
+              <a:t>:</a:t>
+            </a:r>
+            <a:endParaRPr lang="en-US" dirty="0" smtClean="0">
+              <a:hlinkClick r:id="rId3"/>
+            </a:endParaRPr>
+          </a:p>
+          <a:p>
+            <a:pPr lvl="1">
+              <a:buNone/>
+            </a:pPr>
+            <a:r>
+              <a:rPr lang="en-US" dirty="0" smtClean="0">
+                <a:hlinkClick r:id="rId3"/>
+              </a:rPr>
+              <a:t>https://github.com/timurkelin/cosim</a:t>
+            </a:r>
+            <a:endParaRPr lang="en-US" dirty="0" smtClean="0"/>
+          </a:p>
+          <a:p>
+            <a:pPr>
+              <a:buNone/>
+            </a:pPr>
             <a:endParaRPr lang="en-GB" dirty="0" smtClean="0"/>
           </a:p>
         </p:txBody>
@@ -4759,11 +4829,7 @@
             <a:pPr lvl="1"/>
             <a:r>
               <a:rPr lang="en-US" dirty="0" smtClean="0"/>
-              <a:t>Short </a:t>
-            </a:r>
-            <a:r>
-              <a:rPr lang="en-US" dirty="0" smtClean="0"/>
-              <a:t>update-simulation-analysis cycle which allows for simulation driven development and optimization of the architecture</a:t>
+              <a:t>Short update-simulation-analysis cycle which allows for simulation driven development and optimization of the architecture</a:t>
             </a:r>
           </a:p>
           <a:p>
@@ -4777,11 +4843,7 @@
             <a:pPr lvl="1"/>
             <a:r>
               <a:rPr lang="en-US" dirty="0" smtClean="0"/>
-              <a:t>Integration </a:t>
-            </a:r>
-            <a:r>
-              <a:rPr lang="en-US" dirty="0" smtClean="0"/>
-              <a:t>into the existing simulation frameworks and workflows</a:t>
+              <a:t>Integration into the existing simulation frameworks and workflows</a:t>
             </a:r>
           </a:p>
           <a:p>

--- a/doc/simschd.pptx
+++ b/doc/simschd.pptx
@@ -22,9 +22,20 @@
     <p:sldId id="300" r:id="rId16"/>
     <p:sldId id="301" r:id="rId17"/>
     <p:sldId id="295" r:id="rId18"/>
-    <p:sldId id="296" r:id="rId19"/>
-    <p:sldId id="303" r:id="rId20"/>
-    <p:sldId id="304" r:id="rId21"/>
+    <p:sldId id="308" r:id="rId19"/>
+    <p:sldId id="309" r:id="rId20"/>
+    <p:sldId id="310" r:id="rId21"/>
+    <p:sldId id="317" r:id="rId22"/>
+    <p:sldId id="311" r:id="rId23"/>
+    <p:sldId id="318" r:id="rId24"/>
+    <p:sldId id="312" r:id="rId25"/>
+    <p:sldId id="313" r:id="rId26"/>
+    <p:sldId id="314" r:id="rId27"/>
+    <p:sldId id="315" r:id="rId28"/>
+    <p:sldId id="316" r:id="rId29"/>
+    <p:sldId id="296" r:id="rId30"/>
+    <p:sldId id="303" r:id="rId31"/>
+    <p:sldId id="304" r:id="rId32"/>
   </p:sldIdLst>
   <p:sldSz cx="9144000" cy="6858000" type="screen4x3"/>
   <p:notesSz cx="6858000" cy="9144000"/>
@@ -308,7 +319,7 @@
             <a:fld id="{3A2F3D4C-B1B2-4ED9-A806-D2C265E29E3F}" type="datetimeFigureOut">
               <a:rPr lang="en-US" smtClean="0"/>
               <a:pPr/>
-              <a:t>15/01/2020</a:t>
+              <a:t>20/01/2020</a:t>
             </a:fld>
             <a:endParaRPr lang="en-US"/>
           </a:p>
@@ -475,7 +486,7 @@
             <a:fld id="{3A2F3D4C-B1B2-4ED9-A806-D2C265E29E3F}" type="datetimeFigureOut">
               <a:rPr lang="en-US" smtClean="0"/>
               <a:pPr/>
-              <a:t>15/01/2020</a:t>
+              <a:t>20/01/2020</a:t>
             </a:fld>
             <a:endParaRPr lang="en-US"/>
           </a:p>
@@ -652,7 +663,7 @@
             <a:fld id="{3A2F3D4C-B1B2-4ED9-A806-D2C265E29E3F}" type="datetimeFigureOut">
               <a:rPr lang="en-US" smtClean="0"/>
               <a:pPr/>
-              <a:t>15/01/2020</a:t>
+              <a:t>20/01/2020</a:t>
             </a:fld>
             <a:endParaRPr lang="en-US"/>
           </a:p>
@@ -819,7 +830,7 @@
             <a:fld id="{3A2F3D4C-B1B2-4ED9-A806-D2C265E29E3F}" type="datetimeFigureOut">
               <a:rPr lang="en-US" smtClean="0"/>
               <a:pPr/>
-              <a:t>15/01/2020</a:t>
+              <a:t>20/01/2020</a:t>
             </a:fld>
             <a:endParaRPr lang="en-US"/>
           </a:p>
@@ -1062,7 +1073,7 @@
             <a:fld id="{3A2F3D4C-B1B2-4ED9-A806-D2C265E29E3F}" type="datetimeFigureOut">
               <a:rPr lang="en-US" smtClean="0"/>
               <a:pPr/>
-              <a:t>15/01/2020</a:t>
+              <a:t>20/01/2020</a:t>
             </a:fld>
             <a:endParaRPr lang="en-US"/>
           </a:p>
@@ -1347,7 +1358,7 @@
             <a:fld id="{3A2F3D4C-B1B2-4ED9-A806-D2C265E29E3F}" type="datetimeFigureOut">
               <a:rPr lang="en-US" smtClean="0"/>
               <a:pPr/>
-              <a:t>15/01/2020</a:t>
+              <a:t>20/01/2020</a:t>
             </a:fld>
             <a:endParaRPr lang="en-US"/>
           </a:p>
@@ -1766,7 +1777,7 @@
             <a:fld id="{3A2F3D4C-B1B2-4ED9-A806-D2C265E29E3F}" type="datetimeFigureOut">
               <a:rPr lang="en-US" smtClean="0"/>
               <a:pPr/>
-              <a:t>15/01/2020</a:t>
+              <a:t>20/01/2020</a:t>
             </a:fld>
             <a:endParaRPr lang="en-US"/>
           </a:p>
@@ -1881,7 +1892,7 @@
             <a:fld id="{3A2F3D4C-B1B2-4ED9-A806-D2C265E29E3F}" type="datetimeFigureOut">
               <a:rPr lang="en-US" smtClean="0"/>
               <a:pPr/>
-              <a:t>15/01/2020</a:t>
+              <a:t>20/01/2020</a:t>
             </a:fld>
             <a:endParaRPr lang="en-US"/>
           </a:p>
@@ -1973,7 +1984,7 @@
             <a:fld id="{3A2F3D4C-B1B2-4ED9-A806-D2C265E29E3F}" type="datetimeFigureOut">
               <a:rPr lang="en-US" smtClean="0"/>
               <a:pPr/>
-              <a:t>15/01/2020</a:t>
+              <a:t>20/01/2020</a:t>
             </a:fld>
             <a:endParaRPr lang="en-US"/>
           </a:p>
@@ -2247,7 +2258,7 @@
             <a:fld id="{3A2F3D4C-B1B2-4ED9-A806-D2C265E29E3F}" type="datetimeFigureOut">
               <a:rPr lang="en-US" smtClean="0"/>
               <a:pPr/>
-              <a:t>15/01/2020</a:t>
+              <a:t>20/01/2020</a:t>
             </a:fld>
             <a:endParaRPr lang="en-US"/>
           </a:p>
@@ -2497,7 +2508,7 @@
             <a:fld id="{3A2F3D4C-B1B2-4ED9-A806-D2C265E29E3F}" type="datetimeFigureOut">
               <a:rPr lang="en-US" smtClean="0"/>
               <a:pPr/>
-              <a:t>15/01/2020</a:t>
+              <a:t>20/01/2020</a:t>
             </a:fld>
             <a:endParaRPr lang="en-US"/>
           </a:p>
@@ -2707,7 +2718,7 @@
             <a:fld id="{3A2F3D4C-B1B2-4ED9-A806-D2C265E29E3F}" type="datetimeFigureOut">
               <a:rPr lang="en-US" smtClean="0"/>
               <a:pPr/>
-              <a:t>15/01/2020</a:t>
+              <a:t>20/01/2020</a:t>
             </a:fld>
             <a:endParaRPr lang="en-US"/>
           </a:p>
@@ -3420,12 +3431,12 @@
           <a:lstStyle/>
           <a:p>
             <a:r>
-              <a:rPr lang="en-GB" dirty="0" err="1" smtClean="0"/>
-              <a:t>Difing</a:t>
-            </a:r>
-            <a:r>
-              <a:rPr lang="en-GB" dirty="0" smtClean="0"/>
-              <a:t> the Task execution timeframe the Execution Block demands some fraction from the capacity of the Common Resource.</a:t>
+              <a:rPr lang="en-GB" dirty="0" smtClean="0"/>
+              <a:t>Defining </a:t>
+            </a:r>
+            <a:r>
+              <a:rPr lang="en-GB" dirty="0" smtClean="0"/>
+              <a:t>the Task execution timeframe the Execution Block demands some fraction from the capacity of the Common Resource.</a:t>
             </a:r>
           </a:p>
           <a:p>
@@ -4172,14 +4183,41 @@
         </p:nvSpPr>
         <p:spPr/>
         <p:txBody>
-          <a:bodyPr/>
-          <a:lstStyle/>
-          <a:p>
-            <a:r>
-              <a:rPr lang="en-GB" dirty="0" smtClean="0"/>
-              <a:t>Design Examples</a:t>
+          <a:bodyPr>
+            <a:normAutofit/>
+          </a:bodyPr>
+          <a:lstStyle/>
+          <a:p>
+            <a:r>
+              <a:rPr lang="en-GB" dirty="0" smtClean="0"/>
+              <a:t>Simulator Preferences</a:t>
             </a:r>
             <a:endParaRPr lang="en-US" dirty="0"/>
+          </a:p>
+        </p:txBody>
+      </p:sp>
+      <p:sp>
+        <p:nvSpPr>
+          <p:cNvPr id="3" name="Content Placeholder 2"/>
+          <p:cNvSpPr>
+            <a:spLocks noGrp="1"/>
+          </p:cNvSpPr>
+          <p:nvPr>
+            <p:ph idx="1"/>
+          </p:nvPr>
+        </p:nvSpPr>
+        <p:spPr/>
+        <p:txBody>
+          <a:bodyPr>
+            <a:normAutofit/>
+          </a:bodyPr>
+          <a:lstStyle/>
+          <a:p>
+            <a:pPr marL="514350" indent="-514350"/>
+            <a:r>
+              <a:rPr lang="en-GB" dirty="0" smtClean="0"/>
+              <a:t>Preferences are supplied to the simulator via the JSON file specified as a single command line parameter</a:t>
+            </a:r>
           </a:p>
         </p:txBody>
       </p:sp>
@@ -4220,12 +4258,160 @@
         </p:nvSpPr>
         <p:spPr/>
         <p:txBody>
-          <a:bodyPr/>
-          <a:lstStyle/>
-          <a:p>
-            <a:r>
-              <a:rPr lang="en-GB" dirty="0" smtClean="0"/>
-              <a:t>References</a:t>
+          <a:bodyPr>
+            <a:normAutofit/>
+          </a:bodyPr>
+          <a:lstStyle/>
+          <a:p>
+            <a:r>
+              <a:rPr lang="en-GB" dirty="0" smtClean="0"/>
+              <a:t>Top-level JSON Fields</a:t>
+            </a:r>
+            <a:endParaRPr lang="en-US" dirty="0"/>
+          </a:p>
+        </p:txBody>
+      </p:sp>
+      <p:sp>
+        <p:nvSpPr>
+          <p:cNvPr id="3" name="Content Placeholder 2"/>
+          <p:cNvSpPr>
+            <a:spLocks noGrp="1"/>
+          </p:cNvSpPr>
+          <p:nvPr>
+            <p:ph idx="1"/>
+          </p:nvPr>
+        </p:nvSpPr>
+        <p:spPr/>
+        <p:txBody>
+          <a:bodyPr>
+            <a:normAutofit fontScale="70000" lnSpcReduction="20000"/>
+          </a:bodyPr>
+          <a:lstStyle/>
+          <a:p>
+            <a:pPr marL="514350" indent="-514350"/>
+            <a:r>
+              <a:rPr lang="en-GB" dirty="0" smtClean="0">
+                <a:latin typeface="Consolas" pitchFamily="49" charset="0"/>
+                <a:cs typeface="Consolas" pitchFamily="49" charset="0"/>
+              </a:rPr>
+              <a:t>“threads”: </a:t>
+            </a:r>
+            <a:r>
+              <a:rPr lang="en-GB" dirty="0" smtClean="0"/>
+              <a:t>an array of thread specifications</a:t>
+            </a:r>
+          </a:p>
+          <a:p>
+            <a:pPr marL="514350" indent="-514350"/>
+            <a:r>
+              <a:rPr lang="en-GB" dirty="0" smtClean="0">
+                <a:latin typeface="Consolas" pitchFamily="49" charset="0"/>
+                <a:cs typeface="Consolas" pitchFamily="49" charset="0"/>
+              </a:rPr>
+              <a:t>“tasks”: </a:t>
+            </a:r>
+            <a:r>
+              <a:rPr lang="en-GB" dirty="0" smtClean="0"/>
+              <a:t>an array of task specifications</a:t>
+            </a:r>
+          </a:p>
+          <a:p>
+            <a:pPr marL="514350" indent="-514350"/>
+            <a:r>
+              <a:rPr lang="en-GB" dirty="0" smtClean="0">
+                <a:latin typeface="Consolas" pitchFamily="49" charset="0"/>
+                <a:cs typeface="Consolas" pitchFamily="49" charset="0"/>
+              </a:rPr>
+              <a:t>“executors”: </a:t>
+            </a:r>
+            <a:r>
+              <a:rPr lang="en-GB" dirty="0" smtClean="0"/>
+              <a:t>an array of the names of the execution blocks available in the system</a:t>
+            </a:r>
+          </a:p>
+          <a:p>
+            <a:pPr marL="514350" indent="-514350"/>
+            <a:r>
+              <a:rPr lang="en-GB" dirty="0" smtClean="0">
+                <a:latin typeface="Consolas" pitchFamily="49" charset="0"/>
+                <a:cs typeface="Consolas" pitchFamily="49" charset="0"/>
+              </a:rPr>
+              <a:t>“common”: </a:t>
+            </a:r>
+            <a:r>
+              <a:rPr lang="en-GB" dirty="0" smtClean="0"/>
+              <a:t>an array of common resource specifications</a:t>
+            </a:r>
+          </a:p>
+          <a:p>
+            <a:pPr marL="514350" indent="-514350"/>
+            <a:r>
+              <a:rPr lang="en-GB" dirty="0" smtClean="0">
+                <a:latin typeface="Consolas" pitchFamily="49" charset="0"/>
+                <a:cs typeface="Consolas" pitchFamily="49" charset="0"/>
+              </a:rPr>
+              <a:t>“time”: </a:t>
+            </a:r>
+            <a:r>
+              <a:rPr lang="en-GB" dirty="0" smtClean="0"/>
+              <a:t>specification of the simulation time and resolution</a:t>
+            </a:r>
+          </a:p>
+          <a:p>
+            <a:pPr marL="514350" indent="-514350"/>
+            <a:r>
+              <a:rPr lang="en-GB" dirty="0" smtClean="0">
+                <a:latin typeface="Consolas" pitchFamily="49" charset="0"/>
+                <a:cs typeface="Consolas" pitchFamily="49" charset="0"/>
+              </a:rPr>
+              <a:t>“trace”: </a:t>
+            </a:r>
+            <a:r>
+              <a:rPr lang="en-GB" dirty="0" smtClean="0"/>
+              <a:t>specification of the VCD trace and waveform translation</a:t>
+            </a:r>
+          </a:p>
+          <a:p>
+            <a:pPr marL="514350" indent="-514350"/>
+            <a:r>
+              <a:rPr lang="en-GB" dirty="0" smtClean="0">
+                <a:latin typeface="Consolas" pitchFamily="49" charset="0"/>
+                <a:cs typeface="Consolas" pitchFamily="49" charset="0"/>
+              </a:rPr>
+              <a:t>“dump”: </a:t>
+            </a:r>
+            <a:r>
+              <a:rPr lang="en-GB" dirty="0" smtClean="0"/>
+              <a:t>an array of data dump specifications for the different points of the simulated system</a:t>
+            </a:r>
+          </a:p>
+          <a:p>
+            <a:pPr marL="514350" indent="-514350"/>
+            <a:r>
+              <a:rPr lang="en-GB" dirty="0" smtClean="0">
+                <a:latin typeface="Consolas" pitchFamily="49" charset="0"/>
+                <a:cs typeface="Consolas" pitchFamily="49" charset="0"/>
+              </a:rPr>
+              <a:t>“report”: </a:t>
+            </a:r>
+            <a:r>
+              <a:rPr lang="en-GB" dirty="0" smtClean="0"/>
+              <a:t>controls for </a:t>
+            </a:r>
+            <a:r>
+              <a:rPr lang="en-GB" dirty="0" err="1" smtClean="0"/>
+              <a:t>SystemC</a:t>
+            </a:r>
+            <a:r>
+              <a:rPr lang="en-GB" dirty="0" smtClean="0"/>
+              <a:t> logging and reporting</a:t>
+            </a:r>
+          </a:p>
+          <a:p>
+            <a:pPr marL="514350" indent="-514350"/>
+            <a:r>
+              <a:rPr lang="en-GB" dirty="0" smtClean="0"/>
+              <a:t>Please refer to the examples for the specification details</a:t>
             </a:r>
           </a:p>
         </p:txBody>
@@ -4385,114 +4571,1132 @@
         </p:nvSpPr>
         <p:spPr/>
         <p:txBody>
-          <a:bodyPr/>
-          <a:lstStyle/>
-          <a:p>
-            <a:r>
-              <a:rPr lang="en-GB" dirty="0" smtClean="0"/>
-              <a:t>Source Code and Documentation</a:t>
-            </a:r>
-            <a:endParaRPr lang="en-US" dirty="0"/>
-          </a:p>
-        </p:txBody>
-      </p:sp>
-      <p:sp>
-        <p:nvSpPr>
-          <p:cNvPr id="3" name="Content Placeholder 2"/>
-          <p:cNvSpPr>
-            <a:spLocks noGrp="1"/>
-          </p:cNvSpPr>
-          <p:nvPr>
-            <p:ph idx="1"/>
-          </p:nvPr>
-        </p:nvSpPr>
-        <p:spPr/>
-        <p:txBody>
           <a:bodyPr>
             <a:normAutofit/>
           </a:bodyPr>
           <a:lstStyle/>
           <a:p>
             <a:r>
-              <a:rPr lang="en-US" dirty="0" smtClean="0"/>
-              <a:t>Simulation Framework for the Static Scheduler: </a:t>
+              <a:rPr lang="en-GB" dirty="0" smtClean="0"/>
+              <a:t>Thread Specification</a:t>
+            </a:r>
+            <a:endParaRPr lang="en-US" dirty="0"/>
+          </a:p>
+        </p:txBody>
+      </p:sp>
+      <p:sp>
+        <p:nvSpPr>
+          <p:cNvPr id="3" name="Content Placeholder 2"/>
+          <p:cNvSpPr>
+            <a:spLocks noGrp="1"/>
+          </p:cNvSpPr>
+          <p:nvPr>
+            <p:ph idx="1"/>
+          </p:nvPr>
+        </p:nvSpPr>
+        <p:spPr/>
+        <p:txBody>
+          <a:bodyPr>
+            <a:normAutofit fontScale="85000" lnSpcReduction="10000"/>
+          </a:bodyPr>
+          <a:lstStyle/>
+          <a:p>
+            <a:pPr marL="514350" indent="-514350"/>
+            <a:r>
+              <a:rPr lang="en-GB" dirty="0" smtClean="0">
+                <a:latin typeface="Consolas" pitchFamily="49" charset="0"/>
+                <a:cs typeface="Consolas" pitchFamily="49" charset="0"/>
+              </a:rPr>
+              <a:t>“name”: </a:t>
+            </a:r>
+            <a:r>
+              <a:rPr lang="en-GB" dirty="0" smtClean="0"/>
+              <a:t>name of the thread. It is used in the in the VCD trace map.</a:t>
+            </a:r>
+          </a:p>
+          <a:p>
+            <a:pPr marL="514350" indent="-514350"/>
+            <a:r>
+              <a:rPr lang="en-GB" dirty="0" smtClean="0">
+                <a:latin typeface="Consolas" pitchFamily="49" charset="0"/>
+                <a:cs typeface="Consolas" pitchFamily="49" charset="0"/>
+              </a:rPr>
+              <a:t>“priority”: </a:t>
+            </a:r>
+            <a:r>
+              <a:rPr lang="en-GB" dirty="0" smtClean="0"/>
+              <a:t>numeric value which is used to allocate execution blocks in the case of competition. </a:t>
+            </a:r>
+          </a:p>
+          <a:p>
+            <a:pPr marL="514350" indent="-514350"/>
+            <a:r>
+              <a:rPr lang="en-GB" dirty="0" smtClean="0">
+                <a:latin typeface="Consolas" pitchFamily="49" charset="0"/>
+                <a:cs typeface="Consolas" pitchFamily="49" charset="0"/>
+              </a:rPr>
+              <a:t>“start”: </a:t>
+            </a:r>
+            <a:r>
+              <a:rPr lang="en-GB" dirty="0" smtClean="0"/>
+              <a:t>AND list of the </a:t>
+            </a:r>
+            <a:r>
+              <a:rPr lang="en-GB" dirty="0" err="1" smtClean="0"/>
+              <a:t>regex-es</a:t>
+            </a:r>
+            <a:r>
+              <a:rPr lang="en-GB" dirty="0" smtClean="0"/>
+              <a:t> which correspond to the event names. All the events from the list should occur for the thread to start. </a:t>
+            </a:r>
+          </a:p>
+          <a:p>
+            <a:pPr marL="914400" lvl="1" indent="-514350"/>
+            <a:r>
+              <a:rPr lang="en-GB" dirty="0" smtClean="0"/>
+              <a:t>To restart the thread the new set of the events should occur.    </a:t>
+            </a:r>
+            <a:r>
+              <a:rPr lang="en-GB" dirty="0" smtClean="0"/>
+              <a:t> </a:t>
+            </a:r>
+          </a:p>
+          <a:p>
+            <a:pPr marL="914400" lvl="1" indent="-514350"/>
+            <a:r>
+              <a:rPr lang="en-GB" dirty="0" smtClean="0">
+                <a:latin typeface="Consolas" pitchFamily="49" charset="0"/>
+                <a:cs typeface="Consolas" pitchFamily="49" charset="0"/>
+              </a:rPr>
+              <a:t>__start</a:t>
+            </a:r>
+            <a:r>
+              <a:rPr lang="en-GB" dirty="0" smtClean="0">
+                <a:latin typeface="Consolas" pitchFamily="49" charset="0"/>
+                <a:cs typeface="Consolas" pitchFamily="49" charset="0"/>
+              </a:rPr>
+              <a:t>__ </a:t>
+            </a:r>
+            <a:r>
+              <a:rPr lang="en-GB" dirty="0" smtClean="0">
+                <a:latin typeface="+mj-lt"/>
+                <a:cs typeface="Consolas" pitchFamily="49" charset="0"/>
+              </a:rPr>
+              <a:t>is the name of the </a:t>
+            </a:r>
+            <a:r>
+              <a:rPr lang="en-GB" dirty="0" smtClean="0"/>
+              <a:t>event which corresponds to the start of the simulation </a:t>
             </a:r>
             <a:endParaRPr lang="en-GB" dirty="0" smtClean="0"/>
           </a:p>
-          <a:p>
-            <a:pPr lvl="1">
-              <a:buNone/>
-            </a:pPr>
-            <a:r>
-              <a:rPr lang="en-US" dirty="0" smtClean="0">
-                <a:hlinkClick r:id="rId2"/>
+        </p:txBody>
+      </p:sp>
+    </p:spTree>
+  </p:cSld>
+  <p:clrMapOvr>
+    <a:masterClrMapping/>
+  </p:clrMapOvr>
+</p:sld>
+</file>
+
+<file path=ppt/slides/slide21.xml><?xml version="1.0" encoding="utf-8"?>
+<p:sld xmlns:a="http://schemas.openxmlformats.org/drawingml/2006/main" xmlns:r="http://schemas.openxmlformats.org/officeDocument/2006/relationships" xmlns:p="http://schemas.openxmlformats.org/presentationml/2006/main">
+  <p:cSld>
+    <p:spTree>
+      <p:nvGrpSpPr>
+        <p:cNvPr id="1" name=""/>
+        <p:cNvGrpSpPr/>
+        <p:nvPr/>
+      </p:nvGrpSpPr>
+      <p:grpSpPr>
+        <a:xfrm>
+          <a:off x="0" y="0"/>
+          <a:ext cx="0" cy="0"/>
+          <a:chOff x="0" y="0"/>
+          <a:chExt cx="0" cy="0"/>
+        </a:xfrm>
+      </p:grpSpPr>
+      <p:sp>
+        <p:nvSpPr>
+          <p:cNvPr id="2" name="Title 1"/>
+          <p:cNvSpPr>
+            <a:spLocks noGrp="1"/>
+          </p:cNvSpPr>
+          <p:nvPr>
+            <p:ph type="title"/>
+          </p:nvPr>
+        </p:nvSpPr>
+        <p:spPr/>
+        <p:txBody>
+          <a:bodyPr>
+            <a:normAutofit/>
+          </a:bodyPr>
+          <a:lstStyle/>
+          <a:p>
+            <a:r>
+              <a:rPr lang="en-GB" dirty="0" smtClean="0"/>
+              <a:t>Thread Specification</a:t>
+            </a:r>
+            <a:endParaRPr lang="en-US" dirty="0"/>
+          </a:p>
+        </p:txBody>
+      </p:sp>
+      <p:sp>
+        <p:nvSpPr>
+          <p:cNvPr id="3" name="Content Placeholder 2"/>
+          <p:cNvSpPr>
+            <a:spLocks noGrp="1"/>
+          </p:cNvSpPr>
+          <p:nvPr>
+            <p:ph idx="1"/>
+          </p:nvPr>
+        </p:nvSpPr>
+        <p:spPr/>
+        <p:txBody>
+          <a:bodyPr>
+            <a:normAutofit fontScale="92500" lnSpcReduction="20000"/>
+          </a:bodyPr>
+          <a:lstStyle/>
+          <a:p>
+            <a:pPr marL="514350" indent="-514350"/>
+            <a:r>
+              <a:rPr lang="en-GB" dirty="0" smtClean="0">
+                <a:latin typeface="Consolas" pitchFamily="49" charset="0"/>
+                <a:cs typeface="Consolas" pitchFamily="49" charset="0"/>
               </a:rPr>
-              <a:t>https://</a:t>
-            </a:r>
-            <a:r>
-              <a:rPr lang="en-US" dirty="0" smtClean="0">
-                <a:hlinkClick r:id="rId2"/>
+              <a:t>“sequence”: </a:t>
+            </a:r>
+            <a:r>
+              <a:rPr lang="en-GB" dirty="0" smtClean="0"/>
+              <a:t>list of the tasks and events. The tasks are executed and events are generated in the order they are specified in the list.</a:t>
+            </a:r>
+          </a:p>
+          <a:p>
+            <a:pPr marL="914400" lvl="1" indent="-514350"/>
+            <a:r>
+              <a:rPr lang="en-GB" dirty="0" smtClean="0">
+                <a:latin typeface="Consolas" pitchFamily="49" charset="0"/>
+                <a:cs typeface="Consolas" pitchFamily="49" charset="0"/>
               </a:rPr>
-              <a:t>github.com/timurkelin/simschd</a:t>
-            </a:r>
-            <a:endParaRPr lang="en-US" dirty="0" smtClean="0"/>
-          </a:p>
-          <a:p>
-            <a:pPr lvl="1">
-              <a:buNone/>
-            </a:pPr>
-            <a:endParaRPr lang="en-US" dirty="0" smtClean="0"/>
-          </a:p>
-          <a:p>
-            <a:r>
-              <a:rPr lang="en-US" dirty="0" err="1" smtClean="0"/>
-              <a:t>simSCHD</a:t>
-            </a:r>
-            <a:r>
-              <a:rPr lang="en-US" dirty="0" smtClean="0"/>
-              <a:t> and </a:t>
-            </a:r>
-            <a:r>
-              <a:rPr lang="en-US" dirty="0" err="1" smtClean="0"/>
-              <a:t>simSIMD</a:t>
-            </a:r>
-            <a:r>
-              <a:rPr lang="en-US" dirty="0" smtClean="0"/>
+              <a:t>“task”: </a:t>
+            </a:r>
+            <a:r>
+              <a:rPr lang="en-GB" dirty="0" smtClean="0"/>
+              <a:t>specifies task parameters</a:t>
+            </a:r>
+          </a:p>
+          <a:p>
+            <a:pPr marL="1314450" lvl="2" indent="-514350"/>
+            <a:r>
+              <a:rPr lang="en-GB" dirty="0" smtClean="0"/>
+              <a:t>“run”: name of the task to execute</a:t>
+            </a:r>
+          </a:p>
+          <a:p>
+            <a:pPr marL="1314450" lvl="2" indent="-514350"/>
+            <a:r>
+              <a:rPr lang="en-GB" dirty="0" smtClean="0">
+                <a:latin typeface="Consolas" pitchFamily="49" charset="0"/>
+                <a:cs typeface="Consolas" pitchFamily="49" charset="0"/>
+              </a:rPr>
+              <a:t>“</a:t>
+            </a:r>
+            <a:r>
+              <a:rPr lang="en-GB" dirty="0" err="1" smtClean="0">
+                <a:latin typeface="Consolas" pitchFamily="49" charset="0"/>
+                <a:cs typeface="Consolas" pitchFamily="49" charset="0"/>
+              </a:rPr>
+              <a:t>p</a:t>
+            </a:r>
+            <a:r>
+              <a:rPr lang="en-GB" dirty="0" err="1" smtClean="0">
+                <a:latin typeface="Consolas" pitchFamily="49" charset="0"/>
+                <a:cs typeface="Consolas" pitchFamily="49" charset="0"/>
+              </a:rPr>
+              <a:t>aram</a:t>
+            </a:r>
+            <a:r>
+              <a:rPr lang="en-GB" dirty="0" smtClean="0">
+                <a:latin typeface="Consolas" pitchFamily="49" charset="0"/>
+                <a:cs typeface="Consolas" pitchFamily="49" charset="0"/>
+              </a:rPr>
+              <a:t>”: </a:t>
+            </a:r>
+            <a:r>
+              <a:rPr lang="en-GB" dirty="0" smtClean="0"/>
+              <a:t>task parameters for VCD trace map</a:t>
+            </a:r>
+          </a:p>
+          <a:p>
+            <a:pPr marL="914400" lvl="1" indent="-514350"/>
+            <a:r>
+              <a:rPr lang="en-GB" dirty="0" smtClean="0">
+                <a:latin typeface="Consolas" pitchFamily="49" charset="0"/>
+                <a:cs typeface="Consolas" pitchFamily="49" charset="0"/>
+              </a:rPr>
+              <a:t>“event”: </a:t>
+            </a:r>
+            <a:r>
+              <a:rPr lang="en-GB" dirty="0" smtClean="0">
+                <a:latin typeface="+mj-lt"/>
+                <a:cs typeface="Consolas" pitchFamily="49" charset="0"/>
+              </a:rPr>
+              <a:t>name of the event to be generated. It is resolved in the </a:t>
+            </a:r>
+            <a:r>
+              <a:rPr lang="en-GB" dirty="0" smtClean="0">
+                <a:latin typeface="Consolas" pitchFamily="49" charset="0"/>
+                <a:cs typeface="Consolas" pitchFamily="49" charset="0"/>
+              </a:rPr>
+              <a:t>“start” </a:t>
+            </a:r>
+            <a:r>
+              <a:rPr lang="en-GB" dirty="0" smtClean="0">
+                <a:latin typeface="+mj-lt"/>
+                <a:cs typeface="Consolas" pitchFamily="49" charset="0"/>
+              </a:rPr>
+              <a:t>list of a thread.</a:t>
+            </a:r>
+          </a:p>
+          <a:p>
+            <a:pPr marL="914400" lvl="1" indent="-514350"/>
+            <a:r>
+              <a:rPr lang="en-GB" dirty="0" smtClean="0">
+                <a:latin typeface="Consolas" pitchFamily="49" charset="0"/>
+                <a:cs typeface="Consolas" pitchFamily="49" charset="0"/>
+              </a:rPr>
+              <a:t>“sequence” </a:t>
+            </a:r>
+            <a:r>
+              <a:rPr lang="en-GB" dirty="0" smtClean="0">
+                <a:latin typeface="+mj-lt"/>
+                <a:cs typeface="Consolas" pitchFamily="49" charset="0"/>
+              </a:rPr>
+              <a:t>should start with a </a:t>
+            </a:r>
+            <a:r>
+              <a:rPr lang="en-GB" dirty="0" smtClean="0">
+                <a:latin typeface="Consolas" pitchFamily="49" charset="0"/>
+                <a:cs typeface="Consolas" pitchFamily="49" charset="0"/>
+              </a:rPr>
+              <a:t>“task” </a:t>
+            </a:r>
+            <a:r>
+              <a:rPr lang="en-GB" dirty="0" smtClean="0">
+                <a:latin typeface="+mj-lt"/>
+                <a:cs typeface="Consolas" pitchFamily="49" charset="0"/>
+              </a:rPr>
+              <a:t>specification</a:t>
+            </a:r>
+          </a:p>
+          <a:p>
+            <a:pPr marL="914400" lvl="1" indent="-514350"/>
+            <a:r>
+              <a:rPr lang="en-GB" dirty="0" smtClean="0">
+                <a:latin typeface="+mj-lt"/>
+                <a:cs typeface="Consolas" pitchFamily="49" charset="0"/>
+              </a:rPr>
+              <a:t>2 or more </a:t>
+            </a:r>
+            <a:r>
+              <a:rPr lang="en-GB" dirty="0" smtClean="0">
+                <a:latin typeface="Consolas" pitchFamily="49" charset="0"/>
+                <a:cs typeface="Consolas" pitchFamily="49" charset="0"/>
+              </a:rPr>
+              <a:t>“event” </a:t>
+            </a:r>
+            <a:r>
+              <a:rPr lang="en-GB" dirty="0" smtClean="0">
+                <a:latin typeface="+mj-lt"/>
+                <a:cs typeface="Consolas" pitchFamily="49" charset="0"/>
+              </a:rPr>
+              <a:t>specifications one right after another are not allowed</a:t>
+            </a:r>
+            <a:endParaRPr lang="en-GB" dirty="0" smtClean="0">
+              <a:latin typeface="Consolas" pitchFamily="49" charset="0"/>
+              <a:cs typeface="Consolas" pitchFamily="49" charset="0"/>
+            </a:endParaRPr>
+          </a:p>
+        </p:txBody>
+      </p:sp>
+    </p:spTree>
+  </p:cSld>
+  <p:clrMapOvr>
+    <a:masterClrMapping/>
+  </p:clrMapOvr>
+</p:sld>
+</file>
+
+<file path=ppt/slides/slide22.xml><?xml version="1.0" encoding="utf-8"?>
+<p:sld xmlns:a="http://schemas.openxmlformats.org/drawingml/2006/main" xmlns:r="http://schemas.openxmlformats.org/officeDocument/2006/relationships" xmlns:p="http://schemas.openxmlformats.org/presentationml/2006/main">
+  <p:cSld>
+    <p:spTree>
+      <p:nvGrpSpPr>
+        <p:cNvPr id="1" name=""/>
+        <p:cNvGrpSpPr/>
+        <p:nvPr/>
+      </p:nvGrpSpPr>
+      <p:grpSpPr>
+        <a:xfrm>
+          <a:off x="0" y="0"/>
+          <a:ext cx="0" cy="0"/>
+          <a:chOff x="0" y="0"/>
+          <a:chExt cx="0" cy="0"/>
+        </a:xfrm>
+      </p:grpSpPr>
+      <p:sp>
+        <p:nvSpPr>
+          <p:cNvPr id="2" name="Title 1"/>
+          <p:cNvSpPr>
+            <a:spLocks noGrp="1"/>
+          </p:cNvSpPr>
+          <p:nvPr>
+            <p:ph type="title"/>
+          </p:nvPr>
+        </p:nvSpPr>
+        <p:spPr/>
+        <p:txBody>
+          <a:bodyPr>
+            <a:normAutofit/>
+          </a:bodyPr>
+          <a:lstStyle/>
+          <a:p>
+            <a:r>
+              <a:rPr lang="en-GB" dirty="0" smtClean="0"/>
+              <a:t>Task Specification</a:t>
+            </a:r>
+            <a:endParaRPr lang="en-US" dirty="0"/>
+          </a:p>
+        </p:txBody>
+      </p:sp>
+      <p:sp>
+        <p:nvSpPr>
+          <p:cNvPr id="3" name="Content Placeholder 2"/>
+          <p:cNvSpPr>
+            <a:spLocks noGrp="1"/>
+          </p:cNvSpPr>
+          <p:nvPr>
+            <p:ph idx="1"/>
+          </p:nvPr>
+        </p:nvSpPr>
+        <p:spPr/>
+        <p:txBody>
+          <a:bodyPr>
+            <a:normAutofit fontScale="85000" lnSpcReduction="20000"/>
+          </a:bodyPr>
+          <a:lstStyle/>
+          <a:p>
+            <a:pPr marL="514350" indent="-514350"/>
+            <a:r>
+              <a:rPr lang="en-GB" dirty="0" smtClean="0">
+                <a:latin typeface="Consolas" pitchFamily="49" charset="0"/>
+                <a:cs typeface="Consolas" pitchFamily="49" charset="0"/>
+              </a:rPr>
+              <a:t>“name”: </a:t>
+            </a:r>
+            <a:r>
+              <a:rPr lang="en-GB" dirty="0" smtClean="0"/>
+              <a:t>name of the task. The task is called by its name from the sequence list of a thread.</a:t>
+            </a:r>
+          </a:p>
+          <a:p>
+            <a:pPr marL="514350" indent="-514350"/>
+            <a:r>
+              <a:rPr lang="en-GB" dirty="0" smtClean="0"/>
               <a:t> </a:t>
             </a:r>
             <a:r>
-              <a:rPr lang="en-US" dirty="0" smtClean="0"/>
-              <a:t>Co-simulation </a:t>
-            </a:r>
-            <a:r>
-              <a:rPr lang="en-US" dirty="0" smtClean="0"/>
-              <a:t>environment</a:t>
-            </a:r>
-            <a:r>
-              <a:rPr lang="en-US" dirty="0" smtClean="0"/>
+              <a:rPr lang="en-GB" dirty="0" smtClean="0">
+                <a:latin typeface="Consolas" pitchFamily="49" charset="0"/>
+                <a:cs typeface="Consolas" pitchFamily="49" charset="0"/>
+              </a:rPr>
+              <a:t>“exec”: </a:t>
+            </a:r>
+            <a:r>
+              <a:rPr lang="en-GB" dirty="0" smtClean="0"/>
+              <a:t>list of the parameters of the execution blocks involved in the task execution. Each element of the list specifies:</a:t>
+            </a:r>
+          </a:p>
+          <a:p>
+            <a:pPr marL="914400" lvl="1" indent="-514350"/>
+            <a:r>
+              <a:rPr lang="en-GB" dirty="0" smtClean="0">
+                <a:latin typeface="Consolas" pitchFamily="49" charset="0"/>
+                <a:cs typeface="Consolas" pitchFamily="49" charset="0"/>
+              </a:rPr>
+              <a:t>“run”: </a:t>
+            </a:r>
+            <a:r>
+              <a:rPr lang="en-GB" dirty="0" smtClean="0"/>
+              <a:t>name </a:t>
+            </a:r>
+            <a:r>
+              <a:rPr lang="en-GB" dirty="0" err="1" smtClean="0"/>
+              <a:t>regex</a:t>
+            </a:r>
+            <a:r>
+              <a:rPr lang="en-GB" dirty="0" smtClean="0"/>
+              <a:t> </a:t>
+            </a:r>
+            <a:r>
+              <a:rPr lang="en-GB" dirty="0" smtClean="0"/>
+              <a:t>of the execution block</a:t>
+            </a:r>
+          </a:p>
+          <a:p>
+            <a:pPr marL="914400" lvl="1" indent="-514350"/>
+            <a:r>
+              <a:rPr lang="en-GB" dirty="0" smtClean="0">
+                <a:latin typeface="Consolas" pitchFamily="49" charset="0"/>
+                <a:cs typeface="Consolas" pitchFamily="49" charset="0"/>
+              </a:rPr>
+              <a:t>“use”:</a:t>
+            </a:r>
+            <a:r>
+              <a:rPr lang="en-GB" dirty="0" smtClean="0"/>
+              <a:t> list of the parameters of the </a:t>
+            </a:r>
+            <a:r>
+              <a:rPr lang="en-GB" dirty="0" smtClean="0"/>
+              <a:t>common resources. Each element of the list specifies</a:t>
+            </a:r>
+            <a:r>
+              <a:rPr lang="en-GB" dirty="0" smtClean="0"/>
               <a:t>:</a:t>
             </a:r>
-            <a:endParaRPr lang="en-US" dirty="0" smtClean="0">
-              <a:hlinkClick r:id="rId3"/>
-            </a:endParaRPr>
-          </a:p>
-          <a:p>
-            <a:pPr lvl="1">
-              <a:buNone/>
-            </a:pPr>
-            <a:r>
-              <a:rPr lang="en-US" dirty="0" smtClean="0">
-                <a:hlinkClick r:id="rId3"/>
+          </a:p>
+          <a:p>
+            <a:pPr marL="1314450" lvl="2" indent="-514350"/>
+            <a:r>
+              <a:rPr lang="en-GB" dirty="0" smtClean="0">
+                <a:latin typeface="Consolas" pitchFamily="49" charset="0"/>
+                <a:cs typeface="Consolas" pitchFamily="49" charset="0"/>
               </a:rPr>
-              <a:t>https://github.com/timurkelin/cosim</a:t>
-            </a:r>
-            <a:endParaRPr lang="en-US" dirty="0" smtClean="0"/>
-          </a:p>
-          <a:p>
-            <a:pPr>
-              <a:buNone/>
-            </a:pPr>
+              <a:t>“res”: </a:t>
+            </a:r>
+            <a:r>
+              <a:rPr lang="en-GB" dirty="0" smtClean="0"/>
+              <a:t>name of the common resource which is addressed by the execution block</a:t>
+            </a:r>
+          </a:p>
+          <a:p>
+            <a:pPr marL="1314450" lvl="2" indent="-514350"/>
+            <a:r>
+              <a:rPr lang="en-GB" dirty="0" smtClean="0">
+                <a:latin typeface="Consolas" pitchFamily="49" charset="0"/>
+                <a:cs typeface="Consolas" pitchFamily="49" charset="0"/>
+              </a:rPr>
+              <a:t>“demand”: </a:t>
+            </a:r>
+            <a:r>
+              <a:rPr lang="en-GB" dirty="0" smtClean="0"/>
+              <a:t>demand from the common resource</a:t>
+            </a:r>
+          </a:p>
+          <a:p>
+            <a:pPr marL="914400" lvl="1" indent="-514350"/>
+            <a:r>
+              <a:rPr lang="en-GB" dirty="0" smtClean="0">
+                <a:latin typeface="Consolas" pitchFamily="49" charset="0"/>
+                <a:cs typeface="Consolas" pitchFamily="49" charset="0"/>
+              </a:rPr>
+              <a:t>“opt”: </a:t>
+            </a:r>
+            <a:r>
+              <a:rPr lang="en-GB" dirty="0" smtClean="0"/>
+              <a:t>options which are passed </a:t>
+            </a:r>
+            <a:r>
+              <a:rPr lang="en-GB" dirty="0" smtClean="0"/>
+              <a:t>to the execution block in</a:t>
+            </a:r>
+            <a:r>
+              <a:rPr lang="en-GB" dirty="0" smtClean="0"/>
+              <a:t> the co-simulation environment</a:t>
+            </a:r>
+          </a:p>
+        </p:txBody>
+      </p:sp>
+    </p:spTree>
+  </p:cSld>
+  <p:clrMapOvr>
+    <a:masterClrMapping/>
+  </p:clrMapOvr>
+</p:sld>
+</file>
+
+<file path=ppt/slides/slide23.xml><?xml version="1.0" encoding="utf-8"?>
+<p:sld xmlns:a="http://schemas.openxmlformats.org/drawingml/2006/main" xmlns:r="http://schemas.openxmlformats.org/officeDocument/2006/relationships" xmlns:p="http://schemas.openxmlformats.org/presentationml/2006/main">
+  <p:cSld>
+    <p:spTree>
+      <p:nvGrpSpPr>
+        <p:cNvPr id="1" name=""/>
+        <p:cNvGrpSpPr/>
+        <p:nvPr/>
+      </p:nvGrpSpPr>
+      <p:grpSpPr>
+        <a:xfrm>
+          <a:off x="0" y="0"/>
+          <a:ext cx="0" cy="0"/>
+          <a:chOff x="0" y="0"/>
+          <a:chExt cx="0" cy="0"/>
+        </a:xfrm>
+      </p:grpSpPr>
+      <p:sp>
+        <p:nvSpPr>
+          <p:cNvPr id="2" name="Title 1"/>
+          <p:cNvSpPr>
+            <a:spLocks noGrp="1"/>
+          </p:cNvSpPr>
+          <p:nvPr>
+            <p:ph type="title"/>
+          </p:nvPr>
+        </p:nvSpPr>
+        <p:spPr/>
+        <p:txBody>
+          <a:bodyPr>
+            <a:normAutofit/>
+          </a:bodyPr>
+          <a:lstStyle/>
+          <a:p>
+            <a:r>
+              <a:rPr lang="en-GB" dirty="0" smtClean="0"/>
+              <a:t>Task Specification</a:t>
+            </a:r>
+            <a:endParaRPr lang="en-US" dirty="0"/>
+          </a:p>
+        </p:txBody>
+      </p:sp>
+      <p:sp>
+        <p:nvSpPr>
+          <p:cNvPr id="3" name="Content Placeholder 2"/>
+          <p:cNvSpPr>
+            <a:spLocks noGrp="1"/>
+          </p:cNvSpPr>
+          <p:nvPr>
+            <p:ph idx="1"/>
+          </p:nvPr>
+        </p:nvSpPr>
+        <p:spPr/>
+        <p:txBody>
+          <a:bodyPr>
+            <a:normAutofit fontScale="92500" lnSpcReduction="20000"/>
+          </a:bodyPr>
+          <a:lstStyle/>
+          <a:p>
+            <a:pPr marL="514350" indent="-514350"/>
+            <a:r>
+              <a:rPr lang="en-GB" dirty="0" smtClean="0">
+                <a:latin typeface="Consolas" pitchFamily="49" charset="0"/>
+                <a:cs typeface="Consolas" pitchFamily="49" charset="0"/>
+              </a:rPr>
+              <a:t>“runtime”: </a:t>
+            </a:r>
+            <a:r>
+              <a:rPr lang="en-GB" dirty="0" smtClean="0"/>
+              <a:t>time of the task execution.</a:t>
+            </a:r>
+          </a:p>
+          <a:p>
+            <a:pPr marL="914400" lvl="1" indent="-514350"/>
+            <a:r>
+              <a:rPr lang="en-GB" dirty="0" smtClean="0"/>
+              <a:t> This time is specified in the assumption that the total demand from the common resources, which are specified in the </a:t>
+            </a:r>
+            <a:r>
+              <a:rPr lang="en-GB" dirty="0" smtClean="0">
+                <a:latin typeface="Consolas" pitchFamily="49" charset="0"/>
+                <a:cs typeface="Consolas" pitchFamily="49" charset="0"/>
+              </a:rPr>
+              <a:t>“use</a:t>
+            </a:r>
+            <a:r>
+              <a:rPr lang="en-GB" dirty="0" smtClean="0">
+                <a:latin typeface="Consolas" pitchFamily="49" charset="0"/>
+                <a:cs typeface="Consolas" pitchFamily="49" charset="0"/>
+              </a:rPr>
+              <a:t>” </a:t>
+            </a:r>
+            <a:r>
+              <a:rPr lang="en-GB" dirty="0" smtClean="0">
+                <a:latin typeface="+mj-lt"/>
+                <a:cs typeface="Consolas" pitchFamily="49" charset="0"/>
+              </a:rPr>
+              <a:t>lists</a:t>
+            </a:r>
+            <a:r>
+              <a:rPr lang="en-GB" dirty="0" smtClean="0">
+                <a:latin typeface="+mj-lt"/>
+              </a:rPr>
+              <a:t> of the </a:t>
+            </a:r>
+            <a:r>
+              <a:rPr lang="en-GB" dirty="0" smtClean="0">
+                <a:latin typeface="Consolas" pitchFamily="49" charset="0"/>
+                <a:cs typeface="Consolas" pitchFamily="49" charset="0"/>
+              </a:rPr>
+              <a:t>“exec” </a:t>
+            </a:r>
+            <a:r>
+              <a:rPr lang="en-GB" dirty="0" smtClean="0">
+                <a:latin typeface="+mj-lt"/>
+              </a:rPr>
+              <a:t>elements, doesn’t exceed their capacity within the timeframe of the execution. </a:t>
+            </a:r>
+          </a:p>
+          <a:p>
+            <a:pPr marL="914400" lvl="1" indent="-514350"/>
+            <a:r>
+              <a:rPr lang="en-GB" dirty="0" smtClean="0">
+                <a:latin typeface="+mj-lt"/>
+              </a:rPr>
+              <a:t>In other words </a:t>
+            </a:r>
+            <a:r>
+              <a:rPr lang="en-GB" dirty="0" smtClean="0">
+                <a:latin typeface="Consolas" pitchFamily="49" charset="0"/>
+                <a:cs typeface="Consolas" pitchFamily="49" charset="0"/>
+              </a:rPr>
+              <a:t>“runtime” </a:t>
+            </a:r>
+            <a:r>
+              <a:rPr lang="en-GB" dirty="0" smtClean="0">
+                <a:latin typeface="+mj-lt"/>
+              </a:rPr>
+              <a:t>is specified without the effect of common resources been taken into account.</a:t>
+            </a:r>
+          </a:p>
+          <a:p>
+            <a:pPr marL="914400" lvl="1" indent="-514350"/>
+            <a:r>
+              <a:rPr lang="en-GB" dirty="0" smtClean="0">
+                <a:latin typeface="+mj-lt"/>
+              </a:rPr>
+              <a:t>During the simulation the time for which the execution blocks are occupied can differ from the one specified in the </a:t>
+            </a:r>
+            <a:r>
+              <a:rPr lang="en-GB" dirty="0" smtClean="0">
+                <a:latin typeface="Consolas" pitchFamily="49" charset="0"/>
+                <a:cs typeface="Consolas" pitchFamily="49" charset="0"/>
+              </a:rPr>
+              <a:t>“runtime” </a:t>
+            </a:r>
+            <a:r>
+              <a:rPr lang="en-GB" dirty="0" smtClean="0">
+                <a:cs typeface="Consolas" pitchFamily="49" charset="0"/>
+              </a:rPr>
+              <a:t>field</a:t>
+            </a:r>
             <a:endParaRPr lang="en-GB" dirty="0" smtClean="0"/>
+          </a:p>
+        </p:txBody>
+      </p:sp>
+    </p:spTree>
+  </p:cSld>
+  <p:clrMapOvr>
+    <a:masterClrMapping/>
+  </p:clrMapOvr>
+</p:sld>
+</file>
+
+<file path=ppt/slides/slide24.xml><?xml version="1.0" encoding="utf-8"?>
+<p:sld xmlns:a="http://schemas.openxmlformats.org/drawingml/2006/main" xmlns:r="http://schemas.openxmlformats.org/officeDocument/2006/relationships" xmlns:p="http://schemas.openxmlformats.org/presentationml/2006/main">
+  <p:cSld>
+    <p:spTree>
+      <p:nvGrpSpPr>
+        <p:cNvPr id="1" name=""/>
+        <p:cNvGrpSpPr/>
+        <p:nvPr/>
+      </p:nvGrpSpPr>
+      <p:grpSpPr>
+        <a:xfrm>
+          <a:off x="0" y="0"/>
+          <a:ext cx="0" cy="0"/>
+          <a:chOff x="0" y="0"/>
+          <a:chExt cx="0" cy="0"/>
+        </a:xfrm>
+      </p:grpSpPr>
+      <p:sp>
+        <p:nvSpPr>
+          <p:cNvPr id="2" name="Title 1"/>
+          <p:cNvSpPr>
+            <a:spLocks noGrp="1"/>
+          </p:cNvSpPr>
+          <p:nvPr>
+            <p:ph type="title"/>
+          </p:nvPr>
+        </p:nvSpPr>
+        <p:spPr/>
+        <p:txBody>
+          <a:bodyPr>
+            <a:normAutofit/>
+          </a:bodyPr>
+          <a:lstStyle/>
+          <a:p>
+            <a:r>
+              <a:rPr lang="en-GB" dirty="0" smtClean="0"/>
+              <a:t>Execution Block Specification</a:t>
+            </a:r>
+            <a:endParaRPr lang="en-US" dirty="0"/>
+          </a:p>
+        </p:txBody>
+      </p:sp>
+      <p:sp>
+        <p:nvSpPr>
+          <p:cNvPr id="3" name="Content Placeholder 2"/>
+          <p:cNvSpPr>
+            <a:spLocks noGrp="1"/>
+          </p:cNvSpPr>
+          <p:nvPr>
+            <p:ph idx="1"/>
+          </p:nvPr>
+        </p:nvSpPr>
+        <p:spPr/>
+        <p:txBody>
+          <a:bodyPr>
+            <a:normAutofit/>
+          </a:bodyPr>
+          <a:lstStyle/>
+          <a:p>
+            <a:pPr marL="514350" indent="-514350"/>
+            <a:endParaRPr lang="en-GB" dirty="0" smtClean="0"/>
+          </a:p>
+        </p:txBody>
+      </p:sp>
+    </p:spTree>
+  </p:cSld>
+  <p:clrMapOvr>
+    <a:masterClrMapping/>
+  </p:clrMapOvr>
+</p:sld>
+</file>
+
+<file path=ppt/slides/slide25.xml><?xml version="1.0" encoding="utf-8"?>
+<p:sld xmlns:a="http://schemas.openxmlformats.org/drawingml/2006/main" xmlns:r="http://schemas.openxmlformats.org/officeDocument/2006/relationships" xmlns:p="http://schemas.openxmlformats.org/presentationml/2006/main">
+  <p:cSld>
+    <p:spTree>
+      <p:nvGrpSpPr>
+        <p:cNvPr id="1" name=""/>
+        <p:cNvGrpSpPr/>
+        <p:nvPr/>
+      </p:nvGrpSpPr>
+      <p:grpSpPr>
+        <a:xfrm>
+          <a:off x="0" y="0"/>
+          <a:ext cx="0" cy="0"/>
+          <a:chOff x="0" y="0"/>
+          <a:chExt cx="0" cy="0"/>
+        </a:xfrm>
+      </p:grpSpPr>
+      <p:sp>
+        <p:nvSpPr>
+          <p:cNvPr id="2" name="Title 1"/>
+          <p:cNvSpPr>
+            <a:spLocks noGrp="1"/>
+          </p:cNvSpPr>
+          <p:nvPr>
+            <p:ph type="title"/>
+          </p:nvPr>
+        </p:nvSpPr>
+        <p:spPr/>
+        <p:txBody>
+          <a:bodyPr>
+            <a:normAutofit/>
+          </a:bodyPr>
+          <a:lstStyle/>
+          <a:p>
+            <a:r>
+              <a:rPr lang="en-GB" dirty="0" smtClean="0"/>
+              <a:t>Common Resource Specification</a:t>
+            </a:r>
+            <a:endParaRPr lang="en-US" dirty="0"/>
+          </a:p>
+        </p:txBody>
+      </p:sp>
+      <p:sp>
+        <p:nvSpPr>
+          <p:cNvPr id="3" name="Content Placeholder 2"/>
+          <p:cNvSpPr>
+            <a:spLocks noGrp="1"/>
+          </p:cNvSpPr>
+          <p:nvPr>
+            <p:ph idx="1"/>
+          </p:nvPr>
+        </p:nvSpPr>
+        <p:spPr/>
+        <p:txBody>
+          <a:bodyPr>
+            <a:normAutofit/>
+          </a:bodyPr>
+          <a:lstStyle/>
+          <a:p>
+            <a:pPr marL="514350" indent="-514350"/>
+            <a:endParaRPr lang="en-GB" dirty="0" smtClean="0"/>
+          </a:p>
+        </p:txBody>
+      </p:sp>
+    </p:spTree>
+  </p:cSld>
+  <p:clrMapOvr>
+    <a:masterClrMapping/>
+  </p:clrMapOvr>
+</p:sld>
+</file>
+
+<file path=ppt/slides/slide26.xml><?xml version="1.0" encoding="utf-8"?>
+<p:sld xmlns:a="http://schemas.openxmlformats.org/drawingml/2006/main" xmlns:r="http://schemas.openxmlformats.org/officeDocument/2006/relationships" xmlns:p="http://schemas.openxmlformats.org/presentationml/2006/main">
+  <p:cSld>
+    <p:spTree>
+      <p:nvGrpSpPr>
+        <p:cNvPr id="1" name=""/>
+        <p:cNvGrpSpPr/>
+        <p:nvPr/>
+      </p:nvGrpSpPr>
+      <p:grpSpPr>
+        <a:xfrm>
+          <a:off x="0" y="0"/>
+          <a:ext cx="0" cy="0"/>
+          <a:chOff x="0" y="0"/>
+          <a:chExt cx="0" cy="0"/>
+        </a:xfrm>
+      </p:grpSpPr>
+      <p:sp>
+        <p:nvSpPr>
+          <p:cNvPr id="2" name="Title 1"/>
+          <p:cNvSpPr>
+            <a:spLocks noGrp="1"/>
+          </p:cNvSpPr>
+          <p:nvPr>
+            <p:ph type="title"/>
+          </p:nvPr>
+        </p:nvSpPr>
+        <p:spPr/>
+        <p:txBody>
+          <a:bodyPr>
+            <a:normAutofit/>
+          </a:bodyPr>
+          <a:lstStyle/>
+          <a:p>
+            <a:r>
+              <a:rPr lang="en-GB" dirty="0" smtClean="0"/>
+              <a:t>VCD Trace Specification</a:t>
+            </a:r>
+            <a:endParaRPr lang="en-US" dirty="0"/>
+          </a:p>
+        </p:txBody>
+      </p:sp>
+      <p:sp>
+        <p:nvSpPr>
+          <p:cNvPr id="3" name="Content Placeholder 2"/>
+          <p:cNvSpPr>
+            <a:spLocks noGrp="1"/>
+          </p:cNvSpPr>
+          <p:nvPr>
+            <p:ph idx="1"/>
+          </p:nvPr>
+        </p:nvSpPr>
+        <p:spPr/>
+        <p:txBody>
+          <a:bodyPr>
+            <a:normAutofit/>
+          </a:bodyPr>
+          <a:lstStyle/>
+          <a:p>
+            <a:pPr marL="514350" indent="-514350"/>
+            <a:endParaRPr lang="en-GB" dirty="0" smtClean="0"/>
+          </a:p>
+        </p:txBody>
+      </p:sp>
+    </p:spTree>
+  </p:cSld>
+  <p:clrMapOvr>
+    <a:masterClrMapping/>
+  </p:clrMapOvr>
+</p:sld>
+</file>
+
+<file path=ppt/slides/slide27.xml><?xml version="1.0" encoding="utf-8"?>
+<p:sld xmlns:a="http://schemas.openxmlformats.org/drawingml/2006/main" xmlns:r="http://schemas.openxmlformats.org/officeDocument/2006/relationships" xmlns:p="http://schemas.openxmlformats.org/presentationml/2006/main">
+  <p:cSld>
+    <p:spTree>
+      <p:nvGrpSpPr>
+        <p:cNvPr id="1" name=""/>
+        <p:cNvGrpSpPr/>
+        <p:nvPr/>
+      </p:nvGrpSpPr>
+      <p:grpSpPr>
+        <a:xfrm>
+          <a:off x="0" y="0"/>
+          <a:ext cx="0" cy="0"/>
+          <a:chOff x="0" y="0"/>
+          <a:chExt cx="0" cy="0"/>
+        </a:xfrm>
+      </p:grpSpPr>
+      <p:sp>
+        <p:nvSpPr>
+          <p:cNvPr id="2" name="Title 1"/>
+          <p:cNvSpPr>
+            <a:spLocks noGrp="1"/>
+          </p:cNvSpPr>
+          <p:nvPr>
+            <p:ph type="title"/>
+          </p:nvPr>
+        </p:nvSpPr>
+        <p:spPr/>
+        <p:txBody>
+          <a:bodyPr>
+            <a:normAutofit/>
+          </a:bodyPr>
+          <a:lstStyle/>
+          <a:p>
+            <a:r>
+              <a:rPr lang="en-GB" dirty="0" smtClean="0"/>
+              <a:t>Data Dump Specification</a:t>
+            </a:r>
+            <a:endParaRPr lang="en-US" dirty="0"/>
+          </a:p>
+        </p:txBody>
+      </p:sp>
+      <p:sp>
+        <p:nvSpPr>
+          <p:cNvPr id="3" name="Content Placeholder 2"/>
+          <p:cNvSpPr>
+            <a:spLocks noGrp="1"/>
+          </p:cNvSpPr>
+          <p:nvPr>
+            <p:ph idx="1"/>
+          </p:nvPr>
+        </p:nvSpPr>
+        <p:spPr/>
+        <p:txBody>
+          <a:bodyPr>
+            <a:normAutofit/>
+          </a:bodyPr>
+          <a:lstStyle/>
+          <a:p>
+            <a:pPr marL="514350" indent="-514350"/>
+            <a:endParaRPr lang="en-GB" dirty="0" smtClean="0"/>
+          </a:p>
+        </p:txBody>
+      </p:sp>
+    </p:spTree>
+  </p:cSld>
+  <p:clrMapOvr>
+    <a:masterClrMapping/>
+  </p:clrMapOvr>
+</p:sld>
+</file>
+
+<file path=ppt/slides/slide28.xml><?xml version="1.0" encoding="utf-8"?>
+<p:sld xmlns:a="http://schemas.openxmlformats.org/drawingml/2006/main" xmlns:r="http://schemas.openxmlformats.org/officeDocument/2006/relationships" xmlns:p="http://schemas.openxmlformats.org/presentationml/2006/main">
+  <p:cSld>
+    <p:spTree>
+      <p:nvGrpSpPr>
+        <p:cNvPr id="1" name=""/>
+        <p:cNvGrpSpPr/>
+        <p:nvPr/>
+      </p:nvGrpSpPr>
+      <p:grpSpPr>
+        <a:xfrm>
+          <a:off x="0" y="0"/>
+          <a:ext cx="0" cy="0"/>
+          <a:chOff x="0" y="0"/>
+          <a:chExt cx="0" cy="0"/>
+        </a:xfrm>
+      </p:grpSpPr>
+      <p:sp>
+        <p:nvSpPr>
+          <p:cNvPr id="2" name="Title 1"/>
+          <p:cNvSpPr>
+            <a:spLocks noGrp="1"/>
+          </p:cNvSpPr>
+          <p:nvPr>
+            <p:ph type="title"/>
+          </p:nvPr>
+        </p:nvSpPr>
+        <p:spPr/>
+        <p:txBody>
+          <a:bodyPr>
+            <a:normAutofit fontScale="90000"/>
+          </a:bodyPr>
+          <a:lstStyle/>
+          <a:p>
+            <a:r>
+              <a:rPr lang="en-GB" dirty="0" smtClean="0"/>
+              <a:t>Logging and Reporting Specification</a:t>
+            </a:r>
+            <a:endParaRPr lang="en-US" dirty="0"/>
+          </a:p>
+        </p:txBody>
+      </p:sp>
+      <p:sp>
+        <p:nvSpPr>
+          <p:cNvPr id="3" name="Content Placeholder 2"/>
+          <p:cNvSpPr>
+            <a:spLocks noGrp="1"/>
+          </p:cNvSpPr>
+          <p:nvPr>
+            <p:ph idx="1"/>
+          </p:nvPr>
+        </p:nvSpPr>
+        <p:spPr/>
+        <p:txBody>
+          <a:bodyPr>
+            <a:normAutofit/>
+          </a:bodyPr>
+          <a:lstStyle/>
+          <a:p>
+            <a:pPr marL="514350" indent="-514350"/>
+            <a:endParaRPr lang="en-GB" dirty="0" smtClean="0"/>
+          </a:p>
+        </p:txBody>
+      </p:sp>
+    </p:spTree>
+  </p:cSld>
+  <p:clrMapOvr>
+    <a:masterClrMapping/>
+  </p:clrMapOvr>
+</p:sld>
+</file>
+
+<file path=ppt/slides/slide29.xml><?xml version="1.0" encoding="utf-8"?>
+<p:sld xmlns:a="http://schemas.openxmlformats.org/drawingml/2006/main" xmlns:r="http://schemas.openxmlformats.org/officeDocument/2006/relationships" xmlns:p="http://schemas.openxmlformats.org/presentationml/2006/main">
+  <p:cSld>
+    <p:spTree>
+      <p:nvGrpSpPr>
+        <p:cNvPr id="1" name=""/>
+        <p:cNvGrpSpPr/>
+        <p:nvPr/>
+      </p:nvGrpSpPr>
+      <p:grpSpPr>
+        <a:xfrm>
+          <a:off x="0" y="0"/>
+          <a:ext cx="0" cy="0"/>
+          <a:chOff x="0" y="0"/>
+          <a:chExt cx="0" cy="0"/>
+        </a:xfrm>
+      </p:grpSpPr>
+      <p:sp>
+        <p:nvSpPr>
+          <p:cNvPr id="2" name="Title 1"/>
+          <p:cNvSpPr>
+            <a:spLocks noGrp="1"/>
+          </p:cNvSpPr>
+          <p:nvPr>
+            <p:ph type="title"/>
+          </p:nvPr>
+        </p:nvSpPr>
+        <p:spPr/>
+        <p:txBody>
+          <a:bodyPr/>
+          <a:lstStyle/>
+          <a:p>
+            <a:r>
+              <a:rPr lang="en-GB" dirty="0" smtClean="0"/>
+              <a:t>Design Examples</a:t>
+            </a:r>
+            <a:endParaRPr lang="en-US" dirty="0"/>
           </a:p>
         </p:txBody>
       </p:sp>
@@ -4541,6 +5745,183 @@
               <a:t>Overview</a:t>
             </a:r>
             <a:endParaRPr lang="en-US" dirty="0"/>
+          </a:p>
+        </p:txBody>
+      </p:sp>
+    </p:spTree>
+  </p:cSld>
+  <p:clrMapOvr>
+    <a:masterClrMapping/>
+  </p:clrMapOvr>
+</p:sld>
+</file>
+
+<file path=ppt/slides/slide30.xml><?xml version="1.0" encoding="utf-8"?>
+<p:sld xmlns:a="http://schemas.openxmlformats.org/drawingml/2006/main" xmlns:r="http://schemas.openxmlformats.org/officeDocument/2006/relationships" xmlns:p="http://schemas.openxmlformats.org/presentationml/2006/main">
+  <p:cSld>
+    <p:spTree>
+      <p:nvGrpSpPr>
+        <p:cNvPr id="1" name=""/>
+        <p:cNvGrpSpPr/>
+        <p:nvPr/>
+      </p:nvGrpSpPr>
+      <p:grpSpPr>
+        <a:xfrm>
+          <a:off x="0" y="0"/>
+          <a:ext cx="0" cy="0"/>
+          <a:chOff x="0" y="0"/>
+          <a:chExt cx="0" cy="0"/>
+        </a:xfrm>
+      </p:grpSpPr>
+      <p:sp>
+        <p:nvSpPr>
+          <p:cNvPr id="2" name="Title 1"/>
+          <p:cNvSpPr>
+            <a:spLocks noGrp="1"/>
+          </p:cNvSpPr>
+          <p:nvPr>
+            <p:ph type="title"/>
+          </p:nvPr>
+        </p:nvSpPr>
+        <p:spPr/>
+        <p:txBody>
+          <a:bodyPr/>
+          <a:lstStyle/>
+          <a:p>
+            <a:r>
+              <a:rPr lang="en-GB" dirty="0" smtClean="0"/>
+              <a:t>References</a:t>
+            </a:r>
+          </a:p>
+        </p:txBody>
+      </p:sp>
+    </p:spTree>
+  </p:cSld>
+  <p:clrMapOvr>
+    <a:masterClrMapping/>
+  </p:clrMapOvr>
+</p:sld>
+</file>
+
+<file path=ppt/slides/slide31.xml><?xml version="1.0" encoding="utf-8"?>
+<p:sld xmlns:a="http://schemas.openxmlformats.org/drawingml/2006/main" xmlns:r="http://schemas.openxmlformats.org/officeDocument/2006/relationships" xmlns:p="http://schemas.openxmlformats.org/presentationml/2006/main">
+  <p:cSld>
+    <p:spTree>
+      <p:nvGrpSpPr>
+        <p:cNvPr id="1" name=""/>
+        <p:cNvGrpSpPr/>
+        <p:nvPr/>
+      </p:nvGrpSpPr>
+      <p:grpSpPr>
+        <a:xfrm>
+          <a:off x="0" y="0"/>
+          <a:ext cx="0" cy="0"/>
+          <a:chOff x="0" y="0"/>
+          <a:chExt cx="0" cy="0"/>
+        </a:xfrm>
+      </p:grpSpPr>
+      <p:sp>
+        <p:nvSpPr>
+          <p:cNvPr id="2" name="Title 1"/>
+          <p:cNvSpPr>
+            <a:spLocks noGrp="1"/>
+          </p:cNvSpPr>
+          <p:nvPr>
+            <p:ph type="title"/>
+          </p:nvPr>
+        </p:nvSpPr>
+        <p:spPr/>
+        <p:txBody>
+          <a:bodyPr/>
+          <a:lstStyle/>
+          <a:p>
+            <a:r>
+              <a:rPr lang="en-GB" dirty="0" smtClean="0"/>
+              <a:t>Source Code and Documentation</a:t>
+            </a:r>
+            <a:endParaRPr lang="en-US" dirty="0"/>
+          </a:p>
+        </p:txBody>
+      </p:sp>
+      <p:sp>
+        <p:nvSpPr>
+          <p:cNvPr id="3" name="Content Placeholder 2"/>
+          <p:cNvSpPr>
+            <a:spLocks noGrp="1"/>
+          </p:cNvSpPr>
+          <p:nvPr>
+            <p:ph idx="1"/>
+          </p:nvPr>
+        </p:nvSpPr>
+        <p:spPr/>
+        <p:txBody>
+          <a:bodyPr>
+            <a:normAutofit/>
+          </a:bodyPr>
+          <a:lstStyle/>
+          <a:p>
+            <a:r>
+              <a:rPr lang="en-US" dirty="0" smtClean="0"/>
+              <a:t>Simulation Framework for the Static Scheduler: </a:t>
+            </a:r>
+            <a:endParaRPr lang="en-GB" dirty="0" smtClean="0"/>
+          </a:p>
+          <a:p>
+            <a:pPr lvl="1">
+              <a:buNone/>
+            </a:pPr>
+            <a:r>
+              <a:rPr lang="en-US" dirty="0" smtClean="0">
+                <a:hlinkClick r:id="rId2"/>
+              </a:rPr>
+              <a:t>https://github.com/timurkelin/simschd</a:t>
+            </a:r>
+            <a:endParaRPr lang="en-US" dirty="0" smtClean="0"/>
+          </a:p>
+          <a:p>
+            <a:pPr lvl="1">
+              <a:buNone/>
+            </a:pPr>
+            <a:endParaRPr lang="en-US" dirty="0" smtClean="0"/>
+          </a:p>
+          <a:p>
+            <a:r>
+              <a:rPr lang="en-US" dirty="0" err="1" smtClean="0"/>
+              <a:t>simSCHD</a:t>
+            </a:r>
+            <a:r>
+              <a:rPr lang="en-US" dirty="0" smtClean="0"/>
+              <a:t> and </a:t>
+            </a:r>
+            <a:r>
+              <a:rPr lang="en-US" dirty="0" err="1" smtClean="0"/>
+              <a:t>simSIMD</a:t>
+            </a:r>
+            <a:r>
+              <a:rPr lang="en-US" dirty="0" smtClean="0"/>
+              <a:t> Co-simulation environment:</a:t>
+            </a:r>
+            <a:endParaRPr lang="en-US" dirty="0" smtClean="0">
+              <a:hlinkClick r:id="rId3"/>
+            </a:endParaRPr>
+          </a:p>
+          <a:p>
+            <a:pPr lvl="1">
+              <a:buNone/>
+            </a:pPr>
+            <a:r>
+              <a:rPr lang="en-US" dirty="0" smtClean="0">
+                <a:hlinkClick r:id="rId3"/>
+              </a:rPr>
+              <a:t>https://github.com/timurkelin/cosim</a:t>
+            </a:r>
+            <a:endParaRPr lang="en-US" dirty="0" smtClean="0"/>
+          </a:p>
+          <a:p>
+            <a:pPr>
+              <a:buNone/>
+            </a:pPr>
+            <a:endParaRPr lang="en-GB" dirty="0" smtClean="0"/>
           </a:p>
         </p:txBody>
       </p:sp>

--- a/doc/simschd.pptx
+++ b/doc/simschd.pptx
@@ -30,12 +30,13 @@
     <p:sldId id="318" r:id="rId24"/>
     <p:sldId id="312" r:id="rId25"/>
     <p:sldId id="313" r:id="rId26"/>
-    <p:sldId id="314" r:id="rId27"/>
-    <p:sldId id="315" r:id="rId28"/>
-    <p:sldId id="316" r:id="rId29"/>
-    <p:sldId id="296" r:id="rId30"/>
-    <p:sldId id="303" r:id="rId31"/>
-    <p:sldId id="304" r:id="rId32"/>
+    <p:sldId id="319" r:id="rId27"/>
+    <p:sldId id="314" r:id="rId28"/>
+    <p:sldId id="315" r:id="rId29"/>
+    <p:sldId id="316" r:id="rId30"/>
+    <p:sldId id="296" r:id="rId31"/>
+    <p:sldId id="303" r:id="rId32"/>
+    <p:sldId id="304" r:id="rId33"/>
   </p:sldIdLst>
   <p:sldSz cx="9144000" cy="6858000" type="screen4x3"/>
   <p:notesSz cx="6858000" cy="9144000"/>
@@ -4298,7 +4299,11 @@
             </a:r>
             <a:r>
               <a:rPr lang="en-GB" dirty="0" smtClean="0"/>
-              <a:t>an array of thread specifications</a:t>
+              <a:t>an array of </a:t>
+            </a:r>
+            <a:r>
+              <a:rPr lang="en-GB" dirty="0" smtClean="0"/>
+              <a:t>thread specifications</a:t>
             </a:r>
           </a:p>
           <a:p>
@@ -4312,7 +4317,11 @@
             </a:r>
             <a:r>
               <a:rPr lang="en-GB" dirty="0" smtClean="0"/>
-              <a:t>an array of task specifications</a:t>
+              <a:t>an array </a:t>
+            </a:r>
+            <a:r>
+              <a:rPr lang="en-GB" dirty="0" smtClean="0"/>
+              <a:t>of task specifications</a:t>
             </a:r>
           </a:p>
           <a:p>
@@ -4326,7 +4335,11 @@
             </a:r>
             <a:r>
               <a:rPr lang="en-GB" dirty="0" smtClean="0"/>
-              <a:t>an array of the names of the execution blocks available in the system</a:t>
+              <a:t>an array </a:t>
+            </a:r>
+            <a:r>
+              <a:rPr lang="en-GB" dirty="0" smtClean="0"/>
+              <a:t>of the names of the execution blocks available in the system</a:t>
             </a:r>
           </a:p>
           <a:p>
@@ -4340,7 +4353,11 @@
             </a:r>
             <a:r>
               <a:rPr lang="en-GB" dirty="0" smtClean="0"/>
-              <a:t>an array of common resource specifications</a:t>
+              <a:t>an array of </a:t>
+            </a:r>
+            <a:r>
+              <a:rPr lang="en-GB" dirty="0" smtClean="0"/>
+              <a:t>common resource specifications</a:t>
             </a:r>
           </a:p>
           <a:p>
@@ -4382,7 +4399,11 @@
             </a:r>
             <a:r>
               <a:rPr lang="en-GB" dirty="0" smtClean="0"/>
-              <a:t>an array of data dump specifications for the different points of the simulated system</a:t>
+              <a:t>an array of </a:t>
+            </a:r>
+            <a:r>
+              <a:rPr lang="en-GB" dirty="0" smtClean="0"/>
+              <a:t>data dump specifications for the different points of the simulated system</a:t>
             </a:r>
           </a:p>
           <a:p>
@@ -4639,7 +4660,7 @@
             </a:r>
             <a:r>
               <a:rPr lang="en-GB" dirty="0" smtClean="0"/>
-              <a:t>AND list of the </a:t>
+              <a:t>array of the </a:t>
             </a:r>
             <a:r>
               <a:rPr lang="en-GB" dirty="0" err="1" smtClean="0"/>
@@ -4647,7 +4668,7 @@
             </a:r>
             <a:r>
               <a:rPr lang="en-GB" dirty="0" smtClean="0"/>
-              <a:t> which correspond to the event names. All the events from the list should occur for the thread to start. </a:t>
+              <a:t> which correspond to the event names. All the events from the list should occur for the thread to start (and-list). </a:t>
             </a:r>
           </a:p>
           <a:p>
@@ -4755,7 +4776,7 @@
         <p:spPr/>
         <p:txBody>
           <a:bodyPr>
-            <a:normAutofit fontScale="92500" lnSpcReduction="20000"/>
+            <a:normAutofit fontScale="85000" lnSpcReduction="10000"/>
           </a:bodyPr>
           <a:lstStyle/>
           <a:p>
@@ -4769,7 +4790,7 @@
             </a:r>
             <a:r>
               <a:rPr lang="en-GB" dirty="0" smtClean="0"/>
-              <a:t>list of the tasks and events. The tasks are executed and events are generated in the order they are specified in the list.</a:t>
+              <a:t>array of the tasks and events. The tasks are executed and the events are generated in the order of their appearance in the array.</a:t>
             </a:r>
           </a:p>
           <a:p>
@@ -4997,7 +5018,18 @@
             </a:r>
             <a:r>
               <a:rPr lang="en-GB" dirty="0" smtClean="0"/>
-              <a:t>name of the task. The task is called by its name from the sequence list of a thread.</a:t>
+              <a:t>name of the task. The task is called by its name from the </a:t>
+            </a:r>
+            <a:r>
+              <a:rPr lang="en-GB" dirty="0" smtClean="0">
+                <a:latin typeface="Consolas" pitchFamily="49" charset="0"/>
+                <a:cs typeface="Consolas" pitchFamily="49" charset="0"/>
+              </a:rPr>
+              <a:t>“sequence” </a:t>
+            </a:r>
+            <a:r>
+              <a:rPr lang="en-GB" dirty="0" smtClean="0"/>
+              <a:t>array of a thread.</a:t>
             </a:r>
           </a:p>
           <a:p>
@@ -5015,7 +5047,7 @@
             </a:r>
             <a:r>
               <a:rPr lang="en-GB" dirty="0" smtClean="0"/>
-              <a:t>list of the parameters of the execution blocks involved in the task execution. Each element of the list specifies:</a:t>
+              <a:t>array of the parameters specified for the execution blocks which are involved in the task execution. Each element of the array specifies:</a:t>
             </a:r>
           </a:p>
           <a:p>
@@ -5055,15 +5087,15 @@
             </a:r>
             <a:r>
               <a:rPr lang="en-GB" dirty="0" smtClean="0"/>
-              <a:t> list of the parameters of the </a:t>
-            </a:r>
-            <a:r>
-              <a:rPr lang="en-GB" dirty="0" smtClean="0"/>
-              <a:t>common resources. Each element of the list specifies</a:t>
-            </a:r>
-            <a:r>
-              <a:rPr lang="en-GB" dirty="0" smtClean="0"/>
-              <a:t>:</a:t>
+              <a:t> array of the parameters of the </a:t>
+            </a:r>
+            <a:r>
+              <a:rPr lang="en-GB" dirty="0" smtClean="0"/>
+              <a:t>common resources. Each element of the </a:t>
+            </a:r>
+            <a:r>
+              <a:rPr lang="en-GB" dirty="0" smtClean="0"/>
+              <a:t>array specifies:</a:t>
             </a:r>
           </a:p>
           <a:p>
@@ -5223,13 +5255,13 @@
                 <a:latin typeface="+mj-lt"/>
                 <a:cs typeface="Consolas" pitchFamily="49" charset="0"/>
               </a:rPr>
-              <a:t>lists</a:t>
+              <a:t>array </a:t>
             </a:r>
             <a:r>
               <a:rPr lang="en-GB" dirty="0" smtClean="0">
                 <a:latin typeface="+mj-lt"/>
               </a:rPr>
-              <a:t> of the </a:t>
+              <a:t>of the </a:t>
             </a:r>
             <a:r>
               <a:rPr lang="en-GB" dirty="0" smtClean="0">
@@ -5273,7 +5305,7 @@
               <a:rPr lang="en-GB" dirty="0" smtClean="0">
                 <a:latin typeface="+mj-lt"/>
               </a:rPr>
-              <a:t>During the simulation the time for which the execution blocks are occupied can differ from the one specified in the </a:t>
+              <a:t>During the simulation the time for which the execution blocks are occupied can be different from the one specified in the </a:t>
             </a:r>
             <a:r>
               <a:rPr lang="en-GB" dirty="0" smtClean="0">
@@ -5360,6 +5392,10 @@
           <a:lstStyle/>
           <a:p>
             <a:pPr marL="514350" indent="-514350"/>
+            <a:r>
+              <a:rPr lang="en-GB" dirty="0" smtClean="0"/>
+              <a:t>“name”:</a:t>
+            </a:r>
             <a:endParaRPr lang="en-GB" dirty="0" smtClean="0"/>
           </a:p>
         </p:txBody>
@@ -5432,6 +5468,17 @@
           <a:lstStyle/>
           <a:p>
             <a:pPr marL="514350" indent="-514350"/>
+            <a:r>
+              <a:rPr lang="en-GB" dirty="0" smtClean="0"/>
+              <a:t>“name”:</a:t>
+            </a:r>
+          </a:p>
+          <a:p>
+            <a:pPr marL="514350" indent="-514350"/>
+            <a:r>
+              <a:rPr lang="en-GB" dirty="0" smtClean="0"/>
+              <a:t>“capacity”:</a:t>
+            </a:r>
             <a:endParaRPr lang="en-GB" dirty="0" smtClean="0"/>
           </a:p>
         </p:txBody>
@@ -5480,7 +5527,7 @@
           <a:p>
             <a:r>
               <a:rPr lang="en-GB" dirty="0" smtClean="0"/>
-              <a:t>VCD Trace Specification</a:t>
+              <a:t>Time Specification</a:t>
             </a:r>
             <a:endParaRPr lang="en-US" dirty="0"/>
           </a:p>
@@ -5504,6 +5551,17 @@
           <a:lstStyle/>
           <a:p>
             <a:pPr marL="514350" indent="-514350"/>
+            <a:r>
+              <a:rPr lang="en-GB" dirty="0" smtClean="0"/>
+              <a:t>“resolution”:</a:t>
+            </a:r>
+          </a:p>
+          <a:p>
+            <a:pPr marL="514350" indent="-514350"/>
+            <a:r>
+              <a:rPr lang="en-GB" dirty="0" smtClean="0"/>
+              <a:t>“finish”:</a:t>
+            </a:r>
             <a:endParaRPr lang="en-GB" dirty="0" smtClean="0"/>
           </a:p>
         </p:txBody>
@@ -5552,7 +5610,7 @@
           <a:p>
             <a:r>
               <a:rPr lang="en-GB" dirty="0" smtClean="0"/>
-              <a:t>Data Dump Specification</a:t>
+              <a:t>VCD Trace Specification</a:t>
             </a:r>
             <a:endParaRPr lang="en-US" dirty="0"/>
           </a:p>
@@ -5618,13 +5676,13 @@
         <p:spPr/>
         <p:txBody>
           <a:bodyPr>
-            <a:normAutofit fontScale="90000"/>
+            <a:normAutofit/>
           </a:bodyPr>
           <a:lstStyle/>
           <a:p>
             <a:r>
               <a:rPr lang="en-GB" dirty="0" smtClean="0"/>
-              <a:t>Logging and Reporting Specification</a:t>
+              <a:t>Data Dump Specification</a:t>
             </a:r>
             <a:endParaRPr lang="en-US" dirty="0"/>
           </a:p>
@@ -5689,14 +5747,38 @@
         </p:nvSpPr>
         <p:spPr/>
         <p:txBody>
-          <a:bodyPr/>
-          <a:lstStyle/>
-          <a:p>
-            <a:r>
-              <a:rPr lang="en-GB" dirty="0" smtClean="0"/>
-              <a:t>Design Examples</a:t>
+          <a:bodyPr>
+            <a:normAutofit fontScale="90000"/>
+          </a:bodyPr>
+          <a:lstStyle/>
+          <a:p>
+            <a:r>
+              <a:rPr lang="en-GB" dirty="0" smtClean="0"/>
+              <a:t>Logging and Reporting Specification</a:t>
             </a:r>
             <a:endParaRPr lang="en-US" dirty="0"/>
+          </a:p>
+        </p:txBody>
+      </p:sp>
+      <p:sp>
+        <p:nvSpPr>
+          <p:cNvPr id="3" name="Content Placeholder 2"/>
+          <p:cNvSpPr>
+            <a:spLocks noGrp="1"/>
+          </p:cNvSpPr>
+          <p:nvPr>
+            <p:ph idx="1"/>
+          </p:nvPr>
+        </p:nvSpPr>
+        <p:spPr/>
+        <p:txBody>
+          <a:bodyPr>
+            <a:normAutofit/>
+          </a:bodyPr>
+          <a:lstStyle/>
+          <a:p>
+            <a:pPr marL="514350" indent="-514350"/>
+            <a:endParaRPr lang="en-GB" dirty="0" smtClean="0"/>
           </a:p>
         </p:txBody>
       </p:sp>
@@ -5790,8 +5872,9 @@
           <a:p>
             <a:r>
               <a:rPr lang="en-GB" dirty="0" smtClean="0"/>
-              <a:t>References</a:t>
-            </a:r>
+              <a:t>Design Examples</a:t>
+            </a:r>
+            <a:endParaRPr lang="en-US" dirty="0"/>
           </a:p>
         </p:txBody>
       </p:sp>
@@ -5804,6 +5887,53 @@
 </file>
 
 <file path=ppt/slides/slide31.xml><?xml version="1.0" encoding="utf-8"?>
+<p:sld xmlns:a="http://schemas.openxmlformats.org/drawingml/2006/main" xmlns:r="http://schemas.openxmlformats.org/officeDocument/2006/relationships" xmlns:p="http://schemas.openxmlformats.org/presentationml/2006/main">
+  <p:cSld>
+    <p:spTree>
+      <p:nvGrpSpPr>
+        <p:cNvPr id="1" name=""/>
+        <p:cNvGrpSpPr/>
+        <p:nvPr/>
+      </p:nvGrpSpPr>
+      <p:grpSpPr>
+        <a:xfrm>
+          <a:off x="0" y="0"/>
+          <a:ext cx="0" cy="0"/>
+          <a:chOff x="0" y="0"/>
+          <a:chExt cx="0" cy="0"/>
+        </a:xfrm>
+      </p:grpSpPr>
+      <p:sp>
+        <p:nvSpPr>
+          <p:cNvPr id="2" name="Title 1"/>
+          <p:cNvSpPr>
+            <a:spLocks noGrp="1"/>
+          </p:cNvSpPr>
+          <p:nvPr>
+            <p:ph type="title"/>
+          </p:nvPr>
+        </p:nvSpPr>
+        <p:spPr/>
+        <p:txBody>
+          <a:bodyPr/>
+          <a:lstStyle/>
+          <a:p>
+            <a:r>
+              <a:rPr lang="en-GB" dirty="0" smtClean="0"/>
+              <a:t>References</a:t>
+            </a:r>
+          </a:p>
+        </p:txBody>
+      </p:sp>
+    </p:spTree>
+  </p:cSld>
+  <p:clrMapOvr>
+    <a:masterClrMapping/>
+  </p:clrMapOvr>
+</p:sld>
+</file>
+
+<file path=ppt/slides/slide32.xml><?xml version="1.0" encoding="utf-8"?>
 <p:sld xmlns:a="http://schemas.openxmlformats.org/drawingml/2006/main" xmlns:r="http://schemas.openxmlformats.org/officeDocument/2006/relationships" xmlns:p="http://schemas.openxmlformats.org/presentationml/2006/main">
   <p:cSld>
     <p:spTree>

--- a/doc/simschd.pptx
+++ b/doc/simschd.pptx
@@ -5393,8 +5393,30 @@
           <a:p>
             <a:pPr marL="514350" indent="-514350"/>
             <a:r>
-              <a:rPr lang="en-GB" dirty="0" smtClean="0"/>
-              <a:t>“name”:</a:t>
+              <a:rPr lang="en-GB" dirty="0" smtClean="0">
+                <a:latin typeface="Consolas" pitchFamily="49" charset="0"/>
+                <a:cs typeface="Consolas" pitchFamily="49" charset="0"/>
+              </a:rPr>
+              <a:t>“name”: </a:t>
+            </a:r>
+            <a:r>
+              <a:rPr lang="en-GB" dirty="0" smtClean="0"/>
+              <a:t>nam</a:t>
+            </a:r>
+            <a:r>
+              <a:rPr lang="en-GB" dirty="0" smtClean="0"/>
+              <a:t>e of the execution block. It is addressed in the </a:t>
+            </a:r>
+            <a:r>
+              <a:rPr lang="en-GB" dirty="0" smtClean="0">
+                <a:latin typeface="Consolas" pitchFamily="49" charset="0"/>
+                <a:cs typeface="Consolas" pitchFamily="49" charset="0"/>
+              </a:rPr>
+              <a:t>“run” </a:t>
+            </a:r>
+            <a:r>
+              <a:rPr lang="en-GB" dirty="0" smtClean="0"/>
+              <a:t>fields of the task specification  </a:t>
             </a:r>
             <a:endParaRPr lang="en-GB" dirty="0" smtClean="0"/>
           </a:p>
@@ -5469,15 +5491,64 @@
           <a:p>
             <a:pPr marL="514350" indent="-514350"/>
             <a:r>
-              <a:rPr lang="en-GB" dirty="0" smtClean="0"/>
-              <a:t>“name”:</a:t>
-            </a:r>
+              <a:rPr lang="en-GB" dirty="0" smtClean="0">
+                <a:latin typeface="Consolas" pitchFamily="49" charset="0"/>
+                <a:cs typeface="Consolas" pitchFamily="49" charset="0"/>
+              </a:rPr>
+              <a:t>“</a:t>
+            </a:r>
+            <a:r>
+              <a:rPr lang="en-GB" dirty="0" smtClean="0">
+                <a:latin typeface="Consolas" pitchFamily="49" charset="0"/>
+                <a:cs typeface="Consolas" pitchFamily="49" charset="0"/>
+              </a:rPr>
+              <a:t>name”: </a:t>
+            </a:r>
+            <a:r>
+              <a:rPr lang="en-GB" dirty="0" smtClean="0"/>
+              <a:t>name of the </a:t>
+            </a:r>
+            <a:r>
+              <a:rPr lang="en-GB" dirty="0" smtClean="0"/>
+              <a:t>common </a:t>
+            </a:r>
+            <a:r>
+              <a:rPr lang="en-GB" dirty="0" smtClean="0"/>
+              <a:t>r</a:t>
+            </a:r>
+            <a:r>
+              <a:rPr lang="en-GB" dirty="0" smtClean="0"/>
+              <a:t>esource. </a:t>
+            </a:r>
+            <a:endParaRPr lang="en-GB" dirty="0" smtClean="0"/>
           </a:p>
           <a:p>
             <a:pPr marL="514350" indent="-514350"/>
             <a:r>
-              <a:rPr lang="en-GB" dirty="0" smtClean="0"/>
-              <a:t>“capacity”:</a:t>
+              <a:rPr lang="en-GB" dirty="0" smtClean="0">
+                <a:latin typeface="Consolas" pitchFamily="49" charset="0"/>
+                <a:cs typeface="Consolas" pitchFamily="49" charset="0"/>
+              </a:rPr>
+              <a:t>“</a:t>
+            </a:r>
+            <a:r>
+              <a:rPr lang="en-GB" dirty="0" smtClean="0">
+                <a:latin typeface="Consolas" pitchFamily="49" charset="0"/>
+                <a:cs typeface="Consolas" pitchFamily="49" charset="0"/>
+              </a:rPr>
+              <a:t>capacity”: </a:t>
+            </a:r>
+            <a:r>
+              <a:rPr lang="en-GB" dirty="0" smtClean="0"/>
+              <a:t>capacity </a:t>
+            </a:r>
+            <a:r>
+              <a:rPr lang="en-GB" dirty="0" smtClean="0"/>
+              <a:t>of </a:t>
+            </a:r>
+            <a:r>
+              <a:rPr lang="en-GB" dirty="0" smtClean="0"/>
+              <a:t>the common resource. </a:t>
             </a:r>
             <a:endParaRPr lang="en-GB" dirty="0" smtClean="0"/>
           </a:p>
@@ -5553,14 +5624,34 @@
             <a:pPr marL="514350" indent="-514350"/>
             <a:r>
               <a:rPr lang="en-GB" dirty="0" smtClean="0"/>
-              <a:t>“resolution”:</a:t>
+              <a:t>“resolution”: see [3] </a:t>
+            </a:r>
+            <a:r>
+              <a:rPr lang="en-GB" dirty="0" smtClean="0"/>
+              <a:t>section </a:t>
+            </a:r>
+            <a:r>
+              <a:rPr lang="en-US" dirty="0" smtClean="0"/>
+              <a:t>5.11.3</a:t>
+            </a:r>
+            <a:r>
+              <a:rPr lang="en-GB" dirty="0" smtClean="0"/>
+              <a:t> </a:t>
             </a:r>
           </a:p>
           <a:p>
             <a:pPr marL="514350" indent="-514350"/>
             <a:r>
               <a:rPr lang="en-GB" dirty="0" smtClean="0"/>
-              <a:t>“finish”:</a:t>
+              <a:t>“finish”: see [3] </a:t>
+            </a:r>
+            <a:r>
+              <a:rPr lang="en-GB" dirty="0" smtClean="0"/>
+              <a:t>section </a:t>
+            </a:r>
+            <a:r>
+              <a:rPr lang="en-US" dirty="0" smtClean="0"/>
+              <a:t>4.3.4.2</a:t>
             </a:r>
             <a:endParaRPr lang="en-GB" dirty="0" smtClean="0"/>
           </a:p>
@@ -5986,13 +6077,20 @@
         <p:spPr/>
         <p:txBody>
           <a:bodyPr>
-            <a:normAutofit/>
+            <a:normAutofit fontScale="92500"/>
           </a:bodyPr>
           <a:lstStyle/>
           <a:p>
+            <a:pPr>
+              <a:buNone/>
+            </a:pPr>
             <a:r>
               <a:rPr lang="en-US" dirty="0" smtClean="0"/>
-              <a:t>Simulation Framework for the Static Scheduler: </a:t>
+              <a:t>[1] Simulation </a:t>
+            </a:r>
+            <a:r>
+              <a:rPr lang="en-US" dirty="0" smtClean="0"/>
+              <a:t>Framework for the Static Scheduler: </a:t>
             </a:r>
             <a:endParaRPr lang="en-GB" dirty="0" smtClean="0"/>
           </a:p>
@@ -6015,13 +6113,24 @@
             <a:endParaRPr lang="en-US" dirty="0" smtClean="0"/>
           </a:p>
           <a:p>
+            <a:pPr>
+              <a:buNone/>
+            </a:pPr>
+            <a:r>
+              <a:rPr lang="en-US" dirty="0" smtClean="0"/>
+              <a:t>[2] </a:t>
+            </a:r>
             <a:r>
               <a:rPr lang="en-US" dirty="0" err="1" smtClean="0"/>
               <a:t>simSCHD</a:t>
             </a:r>
             <a:r>
               <a:rPr lang="en-US" dirty="0" smtClean="0"/>
-              <a:t> and </a:t>
+              <a:t> </a:t>
+            </a:r>
+            <a:r>
+              <a:rPr lang="en-US" dirty="0" smtClean="0"/>
+              <a:t>and </a:t>
             </a:r>
             <a:r>
               <a:rPr lang="en-US" dirty="0" err="1" smtClean="0"/>
@@ -6043,8 +6152,48 @@
               <a:rPr lang="en-US" dirty="0" smtClean="0">
                 <a:hlinkClick r:id="rId3"/>
               </a:rPr>
-              <a:t>https://github.com/timurkelin/cosim</a:t>
-            </a:r>
+              <a:t>https://</a:t>
+            </a:r>
+            <a:r>
+              <a:rPr lang="en-US" dirty="0" smtClean="0">
+                <a:hlinkClick r:id="rId3"/>
+              </a:rPr>
+              <a:t>github.com/timurkelin/cosim</a:t>
+            </a:r>
+            <a:endParaRPr lang="en-US" dirty="0" smtClean="0"/>
+          </a:p>
+          <a:p>
+            <a:pPr lvl="1">
+              <a:buNone/>
+            </a:pPr>
+            <a:endParaRPr lang="en-GB" dirty="0" smtClean="0"/>
+          </a:p>
+          <a:p>
+            <a:pPr>
+              <a:buNone/>
+            </a:pPr>
+            <a:r>
+              <a:rPr lang="en-US" dirty="0" smtClean="0"/>
+              <a:t>[3] </a:t>
+            </a:r>
+            <a:r>
+              <a:rPr lang="en-US" dirty="0" smtClean="0"/>
+              <a:t>IEEE Std 1666-2011, IEEE Standard for Standard </a:t>
+            </a:r>
+            <a:r>
+              <a:rPr lang="en-US" dirty="0" err="1" smtClean="0"/>
+              <a:t>SystemC</a:t>
+            </a:r>
+            <a:r>
+              <a:rPr lang="en-US" dirty="0" smtClean="0"/>
+              <a:t> Language Reference Manual</a:t>
+            </a:r>
+            <a:endParaRPr lang="en-GB" dirty="0" smtClean="0"/>
+          </a:p>
+          <a:p>
+            <a:pPr lvl="1">
+              <a:buNone/>
+            </a:pPr>
             <a:endParaRPr lang="en-US" dirty="0" smtClean="0"/>
           </a:p>
           <a:p>

--- a/doc/simschd.pptx
+++ b/doc/simschd.pptx
@@ -5624,7 +5624,7 @@
             <a:pPr marL="514350" indent="-514350"/>
             <a:r>
               <a:rPr lang="en-GB" dirty="0" smtClean="0"/>
-              <a:t>“resolution”: see [3] </a:t>
+              <a:t>“resolution”: specifies simulation time resolution. See [3] </a:t>
             </a:r>
             <a:r>
               <a:rPr lang="en-GB" dirty="0" smtClean="0"/>
@@ -5643,7 +5643,15 @@
             <a:pPr marL="514350" indent="-514350"/>
             <a:r>
               <a:rPr lang="en-GB" dirty="0" smtClean="0"/>
-              <a:t>“finish”: see [3] </a:t>
+              <a:t>“finish”: </a:t>
+            </a:r>
+            <a:r>
+              <a:rPr lang="en-GB" dirty="0" smtClean="0"/>
+              <a:t>specifies simulation </a:t>
+            </a:r>
+            <a:r>
+              <a:rPr lang="en-GB" dirty="0" smtClean="0"/>
+              <a:t>time. See [3] </a:t>
             </a:r>
             <a:r>
               <a:rPr lang="en-GB" dirty="0" smtClean="0"/>

--- a/doc/simschd.pptx
+++ b/doc/simschd.pptx
@@ -32,11 +32,12 @@
     <p:sldId id="313" r:id="rId26"/>
     <p:sldId id="319" r:id="rId27"/>
     <p:sldId id="314" r:id="rId28"/>
-    <p:sldId id="315" r:id="rId29"/>
-    <p:sldId id="316" r:id="rId30"/>
-    <p:sldId id="296" r:id="rId31"/>
-    <p:sldId id="303" r:id="rId32"/>
-    <p:sldId id="304" r:id="rId33"/>
+    <p:sldId id="320" r:id="rId29"/>
+    <p:sldId id="315" r:id="rId30"/>
+    <p:sldId id="316" r:id="rId31"/>
+    <p:sldId id="296" r:id="rId32"/>
+    <p:sldId id="303" r:id="rId33"/>
+    <p:sldId id="304" r:id="rId34"/>
   </p:sldIdLst>
   <p:sldSz cx="9144000" cy="6858000" type="screen4x3"/>
   <p:notesSz cx="6858000" cy="9144000"/>
@@ -4810,8 +4811,15 @@
           <a:p>
             <a:pPr marL="1314450" lvl="2" indent="-514350"/>
             <a:r>
-              <a:rPr lang="en-GB" dirty="0" smtClean="0"/>
-              <a:t>“run”: name of the task to execute</a:t>
+              <a:rPr lang="en-GB" dirty="0" smtClean="0">
+                <a:latin typeface="Consolas" pitchFamily="49" charset="0"/>
+                <a:cs typeface="Consolas" pitchFamily="49" charset="0"/>
+              </a:rPr>
+              <a:t>“run”: </a:t>
+            </a:r>
+            <a:r>
+              <a:rPr lang="en-GB" dirty="0" smtClean="0"/>
+              <a:t>name of the task to execute</a:t>
             </a:r>
           </a:p>
           <a:p>
@@ -5623,8 +5631,15 @@
           <a:p>
             <a:pPr marL="514350" indent="-514350"/>
             <a:r>
-              <a:rPr lang="en-GB" dirty="0" smtClean="0"/>
-              <a:t>“resolution”: specifies simulation time resolution. See [3] </a:t>
+              <a:rPr lang="en-GB" dirty="0" smtClean="0">
+                <a:latin typeface="Consolas" pitchFamily="49" charset="0"/>
+                <a:cs typeface="Consolas" pitchFamily="49" charset="0"/>
+              </a:rPr>
+              <a:t>“resolution”: </a:t>
+            </a:r>
+            <a:r>
+              <a:rPr lang="en-GB" dirty="0" smtClean="0"/>
+              <a:t>specifies simulation time resolution. See [3] </a:t>
             </a:r>
             <a:r>
               <a:rPr lang="en-GB" dirty="0" smtClean="0"/>
@@ -5642,7 +5657,10 @@
           <a:p>
             <a:pPr marL="514350" indent="-514350"/>
             <a:r>
-              <a:rPr lang="en-GB" dirty="0" smtClean="0"/>
+              <a:rPr lang="en-GB" dirty="0" smtClean="0">
+                <a:latin typeface="Consolas" pitchFamily="49" charset="0"/>
+                <a:cs typeface="Consolas" pitchFamily="49" charset="0"/>
+              </a:rPr>
               <a:t>“finish”: </a:t>
             </a:r>
             <a:r>
@@ -5733,7 +5751,86 @@
           <a:lstStyle/>
           <a:p>
             <a:pPr marL="514350" indent="-514350"/>
+            <a:r>
+              <a:rPr lang="en-GB" dirty="0" smtClean="0">
+                <a:latin typeface="Consolas" pitchFamily="49" charset="0"/>
+                <a:cs typeface="Consolas" pitchFamily="49" charset="0"/>
+              </a:rPr>
+              <a:t>“file”: </a:t>
+            </a:r>
+            <a:r>
+              <a:rPr lang="en-GB" dirty="0" smtClean="0"/>
+              <a:t>Specification of </a:t>
+            </a:r>
+            <a:r>
+              <a:rPr lang="en-GB" dirty="0" smtClean="0"/>
+              <a:t>the name </a:t>
+            </a:r>
+            <a:r>
+              <a:rPr lang="en-GB" dirty="0" smtClean="0"/>
+              <a:t>for VCD and translation files. Extensions are added accordingly.</a:t>
+            </a:r>
             <a:endParaRPr lang="en-GB" dirty="0" smtClean="0"/>
+          </a:p>
+          <a:p>
+            <a:pPr marL="514350" indent="-514350"/>
+            <a:r>
+              <a:rPr lang="en-GB" dirty="0" smtClean="0">
+                <a:latin typeface="Consolas" pitchFamily="49" charset="0"/>
+                <a:cs typeface="Consolas" pitchFamily="49" charset="0"/>
+              </a:rPr>
+              <a:t>“viewer”: </a:t>
+            </a:r>
+            <a:r>
+              <a:rPr lang="en-GB" dirty="0" smtClean="0"/>
+              <a:t>waveform viewer for which the translation file is generated. Currently supported viewers: </a:t>
+            </a:r>
+            <a:r>
+              <a:rPr lang="en-GB" dirty="0" smtClean="0">
+                <a:latin typeface="Consolas" pitchFamily="49" charset="0"/>
+                <a:cs typeface="Consolas" pitchFamily="49" charset="0"/>
+              </a:rPr>
+              <a:t>“</a:t>
+            </a:r>
+            <a:r>
+              <a:rPr lang="en-GB" dirty="0" err="1" smtClean="0">
+                <a:latin typeface="Consolas" pitchFamily="49" charset="0"/>
+                <a:cs typeface="Consolas" pitchFamily="49" charset="0"/>
+              </a:rPr>
+              <a:t>simvision</a:t>
+            </a:r>
+            <a:r>
+              <a:rPr lang="en-GB" dirty="0" smtClean="0">
+                <a:latin typeface="Consolas" pitchFamily="49" charset="0"/>
+                <a:cs typeface="Consolas" pitchFamily="49" charset="0"/>
+              </a:rPr>
+              <a:t>” </a:t>
+            </a:r>
+            <a:r>
+              <a:rPr lang="en-GB" dirty="0" smtClean="0"/>
+              <a:t>and </a:t>
+            </a:r>
+            <a:r>
+              <a:rPr lang="en-GB" dirty="0" smtClean="0">
+                <a:latin typeface="Consolas" pitchFamily="49" charset="0"/>
+                <a:cs typeface="Consolas" pitchFamily="49" charset="0"/>
+              </a:rPr>
+              <a:t>“</a:t>
+            </a:r>
+            <a:r>
+              <a:rPr lang="en-GB" dirty="0" err="1" smtClean="0">
+                <a:latin typeface="Consolas" pitchFamily="49" charset="0"/>
+                <a:cs typeface="Consolas" pitchFamily="49" charset="0"/>
+              </a:rPr>
+              <a:t>gtkwave</a:t>
+            </a:r>
+            <a:r>
+              <a:rPr lang="en-GB" dirty="0" smtClean="0">
+                <a:latin typeface="Consolas" pitchFamily="49" charset="0"/>
+                <a:cs typeface="Consolas" pitchFamily="49" charset="0"/>
+              </a:rPr>
+              <a:t>”</a:t>
+            </a:r>
           </a:p>
         </p:txBody>
       </p:sp>
@@ -5781,7 +5878,11 @@
           <a:p>
             <a:r>
               <a:rPr lang="en-GB" dirty="0" smtClean="0"/>
-              <a:t>Data Dump Specification</a:t>
+              <a:t>VCD Trace </a:t>
+            </a:r>
+            <a:r>
+              <a:rPr lang="en-GB" dirty="0" smtClean="0"/>
+              <a:t>Map Specification</a:t>
             </a:r>
             <a:endParaRPr lang="en-US" dirty="0"/>
           </a:p>
@@ -5800,12 +5901,238 @@
         <p:spPr/>
         <p:txBody>
           <a:bodyPr>
-            <a:normAutofit/>
+            <a:normAutofit fontScale="70000" lnSpcReduction="20000"/>
           </a:bodyPr>
           <a:lstStyle/>
           <a:p>
             <a:pPr marL="514350" indent="-514350"/>
-            <a:endParaRPr lang="en-GB" dirty="0" smtClean="0"/>
+            <a:r>
+              <a:rPr lang="en-GB" dirty="0" smtClean="0">
+                <a:latin typeface="Consolas" pitchFamily="49" charset="0"/>
+                <a:cs typeface="Consolas" pitchFamily="49" charset="0"/>
+              </a:rPr>
+              <a:t>“map</a:t>
+            </a:r>
+            <a:r>
+              <a:rPr lang="en-GB" dirty="0" smtClean="0">
+                <a:latin typeface="Consolas" pitchFamily="49" charset="0"/>
+                <a:cs typeface="Consolas" pitchFamily="49" charset="0"/>
+              </a:rPr>
+              <a:t>”: </a:t>
+            </a:r>
+            <a:r>
+              <a:rPr lang="en-GB" dirty="0" smtClean="0"/>
+              <a:t>array </a:t>
+            </a:r>
+            <a:r>
+              <a:rPr lang="en-GB" dirty="0" smtClean="0"/>
+              <a:t>of the translation maps. Maps correspond to the id of the job being executed by the execution block. </a:t>
+            </a:r>
+            <a:r>
+              <a:rPr lang="en-GB" dirty="0" smtClean="0"/>
+              <a:t>Each element of the array contains the following fields:</a:t>
+            </a:r>
+          </a:p>
+          <a:p>
+            <a:pPr marL="914400" lvl="1" indent="-514350"/>
+            <a:r>
+              <a:rPr lang="en-GB" dirty="0" smtClean="0">
+                <a:latin typeface="Consolas" pitchFamily="49" charset="0"/>
+                <a:cs typeface="Consolas" pitchFamily="49" charset="0"/>
+              </a:rPr>
+              <a:t>“mask”: </a:t>
+            </a:r>
+            <a:r>
+              <a:rPr lang="en-GB" dirty="0" err="1" smtClean="0"/>
+              <a:t>regex</a:t>
+            </a:r>
+            <a:r>
+              <a:rPr lang="en-GB" dirty="0" smtClean="0"/>
+              <a:t> for a job id string which is constructed as </a:t>
+            </a:r>
+            <a:r>
+              <a:rPr lang="en-GB" dirty="0" err="1" smtClean="0">
+                <a:latin typeface="Consolas" pitchFamily="49" charset="0"/>
+                <a:cs typeface="Consolas" pitchFamily="49" charset="0"/>
+              </a:rPr>
+              <a:t>thread_name#task_name#task_param</a:t>
+            </a:r>
+            <a:endParaRPr lang="en-GB" dirty="0" smtClean="0">
+              <a:latin typeface="Consolas" pitchFamily="49" charset="0"/>
+              <a:cs typeface="Consolas" pitchFamily="49" charset="0"/>
+            </a:endParaRPr>
+          </a:p>
+          <a:p>
+            <a:pPr marL="914400" lvl="1" indent="-514350"/>
+            <a:r>
+              <a:rPr lang="en-GB" dirty="0" smtClean="0">
+                <a:latin typeface="Consolas" pitchFamily="49" charset="0"/>
+                <a:cs typeface="Consolas" pitchFamily="49" charset="0"/>
+              </a:rPr>
+              <a:t>“format</a:t>
+            </a:r>
+            <a:r>
+              <a:rPr lang="en-GB" dirty="0" smtClean="0">
+                <a:latin typeface="Consolas" pitchFamily="49" charset="0"/>
+                <a:cs typeface="Consolas" pitchFamily="49" charset="0"/>
+              </a:rPr>
+              <a:t>”: </a:t>
+            </a:r>
+            <a:r>
+              <a:rPr lang="en-GB" dirty="0" smtClean="0">
+                <a:cs typeface="Consolas" pitchFamily="49" charset="0"/>
+              </a:rPr>
+              <a:t>specification of the job </a:t>
+            </a:r>
+            <a:r>
+              <a:rPr lang="en-GB" dirty="0" smtClean="0">
+                <a:cs typeface="Consolas" pitchFamily="49" charset="0"/>
+              </a:rPr>
+              <a:t>id format to be displayed in the waveform viewer. </a:t>
+            </a:r>
+            <a:r>
+              <a:rPr lang="en-GB" dirty="0" smtClean="0">
+                <a:cs typeface="Consolas" pitchFamily="49" charset="0"/>
+              </a:rPr>
+              <a:t>See </a:t>
+            </a:r>
+            <a:r>
+              <a:rPr lang="en-GB" dirty="0" err="1" smtClean="0">
+                <a:cs typeface="Consolas" pitchFamily="49" charset="0"/>
+              </a:rPr>
+              <a:t>Boost.Format</a:t>
+            </a:r>
+            <a:r>
+              <a:rPr lang="en-GB" dirty="0" smtClean="0">
+                <a:cs typeface="Consolas" pitchFamily="49" charset="0"/>
+              </a:rPr>
+              <a:t> documentation for more details.</a:t>
+            </a:r>
+            <a:endParaRPr lang="en-US" b="1" dirty="0" smtClean="0"/>
+          </a:p>
+          <a:p>
+            <a:pPr marL="1314450" lvl="2" indent="-514350"/>
+            <a:r>
+              <a:rPr lang="en-GB" dirty="0" smtClean="0">
+                <a:latin typeface="Consolas" pitchFamily="49" charset="0"/>
+                <a:cs typeface="Consolas" pitchFamily="49" charset="0"/>
+              </a:rPr>
+              <a:t>%1 - </a:t>
+            </a:r>
+            <a:r>
+              <a:rPr lang="en-GB" dirty="0" err="1" smtClean="0">
+                <a:latin typeface="Consolas" pitchFamily="49" charset="0"/>
+                <a:cs typeface="Consolas" pitchFamily="49" charset="0"/>
+              </a:rPr>
+              <a:t>thread_name</a:t>
+            </a:r>
+            <a:endParaRPr lang="en-GB" dirty="0" smtClean="0">
+              <a:latin typeface="Consolas" pitchFamily="49" charset="0"/>
+              <a:cs typeface="Consolas" pitchFamily="49" charset="0"/>
+            </a:endParaRPr>
+          </a:p>
+          <a:p>
+            <a:pPr marL="1314450" lvl="2" indent="-514350"/>
+            <a:r>
+              <a:rPr lang="en-GB" dirty="0" smtClean="0">
+                <a:latin typeface="Consolas" pitchFamily="49" charset="0"/>
+                <a:cs typeface="Consolas" pitchFamily="49" charset="0"/>
+              </a:rPr>
+              <a:t>%2 - </a:t>
+            </a:r>
+            <a:r>
+              <a:rPr lang="en-GB" dirty="0" err="1" smtClean="0">
+                <a:latin typeface="Consolas" pitchFamily="49" charset="0"/>
+                <a:cs typeface="Consolas" pitchFamily="49" charset="0"/>
+              </a:rPr>
+              <a:t>task_name</a:t>
+            </a:r>
+            <a:endParaRPr lang="en-GB" dirty="0" smtClean="0">
+              <a:latin typeface="Consolas" pitchFamily="49" charset="0"/>
+              <a:cs typeface="Consolas" pitchFamily="49" charset="0"/>
+            </a:endParaRPr>
+          </a:p>
+          <a:p>
+            <a:pPr marL="1314450" lvl="2" indent="-514350"/>
+            <a:r>
+              <a:rPr lang="en-GB" dirty="0" smtClean="0">
+                <a:latin typeface="Consolas" pitchFamily="49" charset="0"/>
+                <a:cs typeface="Consolas" pitchFamily="49" charset="0"/>
+              </a:rPr>
+              <a:t>%3 - </a:t>
+            </a:r>
+            <a:r>
+              <a:rPr lang="en-GB" dirty="0" err="1" smtClean="0">
+                <a:latin typeface="Consolas" pitchFamily="49" charset="0"/>
+                <a:cs typeface="Consolas" pitchFamily="49" charset="0"/>
+              </a:rPr>
+              <a:t>task_param</a:t>
+            </a:r>
+            <a:endParaRPr lang="en-GB" dirty="0" smtClean="0">
+              <a:latin typeface="Consolas" pitchFamily="49" charset="0"/>
+              <a:cs typeface="Consolas" pitchFamily="49" charset="0"/>
+            </a:endParaRPr>
+          </a:p>
+          <a:p>
+            <a:pPr marL="914400" lvl="1" indent="-514350"/>
+            <a:r>
+              <a:rPr lang="en-GB" dirty="0" smtClean="0">
+                <a:latin typeface="Consolas" pitchFamily="49" charset="0"/>
+                <a:cs typeface="Consolas" pitchFamily="49" charset="0"/>
+              </a:rPr>
+              <a:t>“</a:t>
+            </a:r>
+            <a:r>
+              <a:rPr lang="en-GB" dirty="0" err="1" smtClean="0">
+                <a:latin typeface="Consolas" pitchFamily="49" charset="0"/>
+                <a:cs typeface="Consolas" pitchFamily="49" charset="0"/>
+              </a:rPr>
+              <a:t>bgcolor</a:t>
+            </a:r>
+            <a:r>
+              <a:rPr lang="en-GB" dirty="0" smtClean="0">
+                <a:latin typeface="Consolas" pitchFamily="49" charset="0"/>
+                <a:cs typeface="Consolas" pitchFamily="49" charset="0"/>
+              </a:rPr>
+              <a:t>”: </a:t>
+            </a:r>
+            <a:r>
+              <a:rPr lang="en-GB" dirty="0" smtClean="0">
+                <a:cs typeface="Consolas" pitchFamily="49" charset="0"/>
+              </a:rPr>
+              <a:t>X11 name for the background colour of the waveform</a:t>
+            </a:r>
+          </a:p>
+          <a:p>
+            <a:pPr marL="914400" lvl="1" indent="-514350"/>
+            <a:r>
+              <a:rPr lang="en-GB" dirty="0" smtClean="0">
+                <a:latin typeface="Consolas" pitchFamily="49" charset="0"/>
+                <a:cs typeface="Consolas" pitchFamily="49" charset="0"/>
+              </a:rPr>
+              <a:t>“opt”:</a:t>
+            </a:r>
+            <a:r>
+              <a:rPr lang="en-GB" dirty="0" smtClean="0">
+                <a:cs typeface="Consolas" pitchFamily="49" charset="0"/>
+              </a:rPr>
+              <a:t> optional map specification. See </a:t>
+            </a:r>
+            <a:r>
+              <a:rPr lang="en-GB" dirty="0" err="1" smtClean="0">
+                <a:cs typeface="Consolas" pitchFamily="49" charset="0"/>
+              </a:rPr>
+              <a:t>mmap</a:t>
+            </a:r>
+            <a:r>
+              <a:rPr lang="en-GB" dirty="0" smtClean="0">
+                <a:cs typeface="Consolas" pitchFamily="49" charset="0"/>
+              </a:rPr>
+              <a:t>  description in [4]. </a:t>
+            </a:r>
+            <a:endParaRPr lang="en-GB" dirty="0" smtClean="0">
+              <a:cs typeface="Consolas" pitchFamily="49" charset="0"/>
+            </a:endParaRPr>
           </a:p>
         </p:txBody>
       </p:sp>
@@ -5847,13 +6174,13 @@
         <p:spPr/>
         <p:txBody>
           <a:bodyPr>
-            <a:normAutofit fontScale="90000"/>
+            <a:normAutofit/>
           </a:bodyPr>
           <a:lstStyle/>
           <a:p>
             <a:r>
               <a:rPr lang="en-GB" dirty="0" smtClean="0"/>
-              <a:t>Logging and Reporting Specification</a:t>
+              <a:t>Data Dump Specification</a:t>
             </a:r>
             <a:endParaRPr lang="en-US" dirty="0"/>
           </a:p>
@@ -5966,14 +6293,38 @@
         </p:nvSpPr>
         <p:spPr/>
         <p:txBody>
-          <a:bodyPr/>
-          <a:lstStyle/>
-          <a:p>
-            <a:r>
-              <a:rPr lang="en-GB" dirty="0" smtClean="0"/>
-              <a:t>Design Examples</a:t>
+          <a:bodyPr>
+            <a:normAutofit fontScale="90000"/>
+          </a:bodyPr>
+          <a:lstStyle/>
+          <a:p>
+            <a:r>
+              <a:rPr lang="en-GB" dirty="0" smtClean="0"/>
+              <a:t>Logging and Reporting Specification</a:t>
             </a:r>
             <a:endParaRPr lang="en-US" dirty="0"/>
+          </a:p>
+        </p:txBody>
+      </p:sp>
+      <p:sp>
+        <p:nvSpPr>
+          <p:cNvPr id="3" name="Content Placeholder 2"/>
+          <p:cNvSpPr>
+            <a:spLocks noGrp="1"/>
+          </p:cNvSpPr>
+          <p:nvPr>
+            <p:ph idx="1"/>
+          </p:nvPr>
+        </p:nvSpPr>
+        <p:spPr/>
+        <p:txBody>
+          <a:bodyPr>
+            <a:normAutofit/>
+          </a:bodyPr>
+          <a:lstStyle/>
+          <a:p>
+            <a:pPr marL="514350" indent="-514350"/>
+            <a:endParaRPr lang="en-GB" dirty="0" smtClean="0"/>
           </a:p>
         </p:txBody>
       </p:sp>
@@ -6019,8 +6370,9 @@
           <a:p>
             <a:r>
               <a:rPr lang="en-GB" dirty="0" smtClean="0"/>
-              <a:t>References</a:t>
-            </a:r>
+              <a:t>Design Examples</a:t>
+            </a:r>
+            <a:endParaRPr lang="en-US" dirty="0"/>
           </a:p>
         </p:txBody>
       </p:sp>
@@ -6066,6 +6418,53 @@
           <a:p>
             <a:r>
               <a:rPr lang="en-GB" dirty="0" smtClean="0"/>
+              <a:t>References</a:t>
+            </a:r>
+          </a:p>
+        </p:txBody>
+      </p:sp>
+    </p:spTree>
+  </p:cSld>
+  <p:clrMapOvr>
+    <a:masterClrMapping/>
+  </p:clrMapOvr>
+</p:sld>
+</file>
+
+<file path=ppt/slides/slide33.xml><?xml version="1.0" encoding="utf-8"?>
+<p:sld xmlns:a="http://schemas.openxmlformats.org/drawingml/2006/main" xmlns:r="http://schemas.openxmlformats.org/officeDocument/2006/relationships" xmlns:p="http://schemas.openxmlformats.org/presentationml/2006/main">
+  <p:cSld>
+    <p:spTree>
+      <p:nvGrpSpPr>
+        <p:cNvPr id="1" name=""/>
+        <p:cNvGrpSpPr/>
+        <p:nvPr/>
+      </p:nvGrpSpPr>
+      <p:grpSpPr>
+        <a:xfrm>
+          <a:off x="0" y="0"/>
+          <a:ext cx="0" cy="0"/>
+          <a:chOff x="0" y="0"/>
+          <a:chExt cx="0" cy="0"/>
+        </a:xfrm>
+      </p:grpSpPr>
+      <p:sp>
+        <p:nvSpPr>
+          <p:cNvPr id="2" name="Title 1"/>
+          <p:cNvSpPr>
+            <a:spLocks noGrp="1"/>
+          </p:cNvSpPr>
+          <p:nvPr>
+            <p:ph type="title"/>
+          </p:nvPr>
+        </p:nvSpPr>
+        <p:spPr/>
+        <p:txBody>
+          <a:bodyPr/>
+          <a:lstStyle/>
+          <a:p>
+            <a:r>
+              <a:rPr lang="en-GB" dirty="0" smtClean="0"/>
               <a:t>Source Code and Documentation</a:t>
             </a:r>
             <a:endParaRPr lang="en-US" dirty="0"/>
@@ -6085,7 +6484,7 @@
         <p:spPr/>
         <p:txBody>
           <a:bodyPr>
-            <a:normAutofit fontScale="92500"/>
+            <a:normAutofit fontScale="85000" lnSpcReduction="10000"/>
           </a:bodyPr>
           <a:lstStyle/>
           <a:p>
@@ -6194,7 +6593,34 @@
             </a:r>
             <a:r>
               <a:rPr lang="en-US" dirty="0" smtClean="0"/>
-              <a:t> Language Reference Manual</a:t>
+              <a:t> Language Reference </a:t>
+            </a:r>
+            <a:r>
+              <a:rPr lang="en-US" dirty="0" smtClean="0"/>
+              <a:t>Manual</a:t>
+            </a:r>
+          </a:p>
+          <a:p>
+            <a:pPr>
+              <a:buNone/>
+            </a:pPr>
+            <a:endParaRPr lang="en-GB" dirty="0" smtClean="0"/>
+          </a:p>
+          <a:p>
+            <a:pPr>
+              <a:buNone/>
+            </a:pPr>
+            <a:r>
+              <a:rPr lang="en-GB" dirty="0" smtClean="0"/>
+              <a:t>[4] </a:t>
+            </a:r>
+            <a:r>
+              <a:rPr lang="en-US" dirty="0" err="1" smtClean="0"/>
+              <a:t>SimVision</a:t>
+            </a:r>
+            <a:r>
+              <a:rPr lang="en-US" dirty="0" smtClean="0"/>
+              <a:t> Command Language Reference</a:t>
             </a:r>
             <a:endParaRPr lang="en-GB" dirty="0" smtClean="0"/>
           </a:p>

--- a/doc/simschd.pptx
+++ b/doc/simschd.pptx
@@ -5413,7 +5413,15 @@
             </a:r>
             <a:r>
               <a:rPr lang="en-GB" dirty="0" smtClean="0"/>
-              <a:t>e of the execution block. It is addressed in the </a:t>
+              <a:t>e of the execution block. It is </a:t>
+            </a:r>
+            <a:r>
+              <a:rPr lang="en-GB" smtClean="0"/>
+              <a:t>addressed from </a:t>
+            </a:r>
+            <a:r>
+              <a:rPr lang="en-GB" dirty="0" smtClean="0"/>
+              <a:t>the </a:t>
             </a:r>
             <a:r>
               <a:rPr lang="en-GB" dirty="0" smtClean="0">
@@ -5926,7 +5934,7 @@
             </a:r>
             <a:r>
               <a:rPr lang="en-GB" dirty="0" smtClean="0"/>
-              <a:t>of the translation maps. Maps correspond to the id of the job being executed by the execution block. </a:t>
+              <a:t>of the translation maps. Each map corresponds to the id of the job being executed by the execution block. </a:t>
             </a:r>
             <a:r>
               <a:rPr lang="en-GB" dirty="0" smtClean="0"/>
@@ -6199,11 +6207,232 @@
         <p:spPr/>
         <p:txBody>
           <a:bodyPr>
-            <a:normAutofit/>
+            <a:normAutofit fontScale="77500" lnSpcReduction="20000"/>
           </a:bodyPr>
           <a:lstStyle/>
           <a:p>
             <a:pPr marL="514350" indent="-514350"/>
+            <a:r>
+              <a:rPr lang="en-US" dirty="0" smtClean="0">
+                <a:latin typeface="Consolas" pitchFamily="49" charset="0"/>
+                <a:cs typeface="Consolas" pitchFamily="49" charset="0"/>
+              </a:rPr>
+              <a:t>"</a:t>
+            </a:r>
+            <a:r>
+              <a:rPr lang="en-US" dirty="0" err="1" smtClean="0">
+                <a:latin typeface="Consolas" pitchFamily="49" charset="0"/>
+                <a:cs typeface="Consolas" pitchFamily="49" charset="0"/>
+              </a:rPr>
+              <a:t>buf_regex</a:t>
+            </a:r>
+            <a:r>
+              <a:rPr lang="en-US" dirty="0" smtClean="0">
+                <a:latin typeface="Consolas" pitchFamily="49" charset="0"/>
+                <a:cs typeface="Consolas" pitchFamily="49" charset="0"/>
+              </a:rPr>
+              <a:t>":  </a:t>
+            </a:r>
+            <a:r>
+              <a:rPr lang="en-US" dirty="0" err="1" smtClean="0"/>
+              <a:t>regex</a:t>
+            </a:r>
+            <a:r>
+              <a:rPr lang="en-US" dirty="0" smtClean="0"/>
+              <a:t> for the name of the dump buffer. Please refer to the source code for the buffer names.  </a:t>
+            </a:r>
+          </a:p>
+          <a:p>
+            <a:pPr marL="514350" indent="-514350"/>
+            <a:r>
+              <a:rPr lang="en-US" dirty="0" smtClean="0">
+                <a:latin typeface="Consolas" pitchFamily="49" charset="0"/>
+                <a:cs typeface="Consolas" pitchFamily="49" charset="0"/>
+              </a:rPr>
+              <a:t>"</a:t>
+            </a:r>
+            <a:r>
+              <a:rPr lang="en-US" dirty="0" err="1" smtClean="0">
+                <a:latin typeface="Consolas" pitchFamily="49" charset="0"/>
+                <a:cs typeface="Consolas" pitchFamily="49" charset="0"/>
+              </a:rPr>
+              <a:t>time_start</a:t>
+            </a:r>
+            <a:r>
+              <a:rPr lang="en-US" dirty="0" smtClean="0">
+                <a:latin typeface="Consolas" pitchFamily="49" charset="0"/>
+                <a:cs typeface="Consolas" pitchFamily="49" charset="0"/>
+              </a:rPr>
+              <a:t>": </a:t>
+            </a:r>
+            <a:r>
+              <a:rPr lang="en-US" dirty="0" smtClean="0"/>
+              <a:t>start time of the dump.</a:t>
+            </a:r>
+          </a:p>
+          <a:p>
+            <a:pPr marL="514350" indent="-514350"/>
+            <a:r>
+              <a:rPr lang="en-US" dirty="0" smtClean="0">
+                <a:latin typeface="Consolas" pitchFamily="49" charset="0"/>
+                <a:cs typeface="Consolas" pitchFamily="49" charset="0"/>
+              </a:rPr>
+              <a:t>"</a:t>
+            </a:r>
+            <a:r>
+              <a:rPr lang="en-US" dirty="0" err="1" smtClean="0">
+                <a:latin typeface="Consolas" pitchFamily="49" charset="0"/>
+                <a:cs typeface="Consolas" pitchFamily="49" charset="0"/>
+              </a:rPr>
+              <a:t>time_end</a:t>
+            </a:r>
+            <a:r>
+              <a:rPr lang="en-US" dirty="0" smtClean="0">
+                <a:latin typeface="Consolas" pitchFamily="49" charset="0"/>
+                <a:cs typeface="Consolas" pitchFamily="49" charset="0"/>
+              </a:rPr>
+              <a:t>": </a:t>
+            </a:r>
+            <a:r>
+              <a:rPr lang="en-US" dirty="0" smtClean="0"/>
+              <a:t>end </a:t>
+            </a:r>
+            <a:r>
+              <a:rPr lang="en-US" dirty="0" smtClean="0"/>
+              <a:t>time of the dump</a:t>
+            </a:r>
+            <a:r>
+              <a:rPr lang="en-US" dirty="0" smtClean="0"/>
+              <a:t>. </a:t>
+            </a:r>
+            <a:r>
+              <a:rPr lang="en-US" dirty="0" smtClean="0">
+                <a:latin typeface="Consolas" pitchFamily="49" charset="0"/>
+                <a:cs typeface="Consolas" pitchFamily="49" charset="0"/>
+              </a:rPr>
+              <a:t>“finish” </a:t>
+            </a:r>
+            <a:r>
+              <a:rPr lang="en-US" dirty="0" smtClean="0"/>
+              <a:t>corresponds to the end of simulation time.</a:t>
+            </a:r>
+            <a:endParaRPr lang="en-US" dirty="0" smtClean="0"/>
+          </a:p>
+          <a:p>
+            <a:pPr marL="514350" indent="-514350"/>
+            <a:r>
+              <a:rPr lang="en-US" dirty="0" smtClean="0">
+                <a:latin typeface="Consolas" pitchFamily="49" charset="0"/>
+                <a:cs typeface="Consolas" pitchFamily="49" charset="0"/>
+              </a:rPr>
+              <a:t>"</a:t>
+            </a:r>
+            <a:r>
+              <a:rPr lang="en-US" dirty="0" err="1" smtClean="0">
+                <a:latin typeface="Consolas" pitchFamily="49" charset="0"/>
+                <a:cs typeface="Consolas" pitchFamily="49" charset="0"/>
+              </a:rPr>
+              <a:t>size_res</a:t>
+            </a:r>
+            <a:r>
+              <a:rPr lang="en-US" dirty="0" smtClean="0">
+                <a:latin typeface="Consolas" pitchFamily="49" charset="0"/>
+                <a:cs typeface="Consolas" pitchFamily="49" charset="0"/>
+              </a:rPr>
+              <a:t>": </a:t>
+            </a:r>
+            <a:r>
+              <a:rPr lang="en-US" dirty="0" smtClean="0"/>
+              <a:t>size of the dump vector for which memory is allocated.  </a:t>
+            </a:r>
+          </a:p>
+          <a:p>
+            <a:pPr marL="514350" indent="-514350"/>
+            <a:r>
+              <a:rPr lang="en-US" dirty="0" smtClean="0">
+                <a:latin typeface="Consolas" pitchFamily="49" charset="0"/>
+                <a:cs typeface="Consolas" pitchFamily="49" charset="0"/>
+              </a:rPr>
+              <a:t>"</a:t>
+            </a:r>
+            <a:r>
+              <a:rPr lang="en-US" dirty="0" err="1" smtClean="0">
+                <a:latin typeface="Consolas" pitchFamily="49" charset="0"/>
+                <a:cs typeface="Consolas" pitchFamily="49" charset="0"/>
+              </a:rPr>
+              <a:t>size_max</a:t>
+            </a:r>
+            <a:r>
+              <a:rPr lang="en-US" dirty="0" smtClean="0">
+                <a:latin typeface="Consolas" pitchFamily="49" charset="0"/>
+                <a:cs typeface="Consolas" pitchFamily="49" charset="0"/>
+              </a:rPr>
+              <a:t>": </a:t>
+            </a:r>
+            <a:r>
+              <a:rPr lang="en-US" dirty="0" smtClean="0"/>
+              <a:t>max size </a:t>
+            </a:r>
+            <a:r>
+              <a:rPr lang="en-US" dirty="0" smtClean="0"/>
+              <a:t>of the dump </a:t>
+            </a:r>
+            <a:r>
+              <a:rPr lang="en-US" dirty="0" smtClean="0"/>
+              <a:t>vector. If the size </a:t>
+            </a:r>
+            <a:r>
+              <a:rPr lang="en-US" dirty="0" smtClean="0"/>
+              <a:t>of the dump vector</a:t>
+            </a:r>
+            <a:r>
+              <a:rPr lang="en-US" dirty="0" smtClean="0"/>
+              <a:t> exceeds </a:t>
+            </a:r>
+            <a:r>
+              <a:rPr lang="en-US" dirty="0" err="1" smtClean="0"/>
+              <a:t>size_max</a:t>
+            </a:r>
+            <a:r>
+              <a:rPr lang="en-US" dirty="0" smtClean="0"/>
+              <a:t> field then the simulator reports an error. </a:t>
+            </a:r>
+          </a:p>
+          <a:p>
+            <a:pPr marL="514350" indent="-514350"/>
+            <a:r>
+              <a:rPr lang="en-US" dirty="0" smtClean="0">
+                <a:latin typeface="Consolas" pitchFamily="49" charset="0"/>
+                <a:cs typeface="Consolas" pitchFamily="49" charset="0"/>
+              </a:rPr>
+              <a:t>"</a:t>
+            </a:r>
+            <a:r>
+              <a:rPr lang="en-US" dirty="0" smtClean="0">
+                <a:latin typeface="Consolas" pitchFamily="49" charset="0"/>
+                <a:cs typeface="Consolas" pitchFamily="49" charset="0"/>
+              </a:rPr>
+              <a:t>file</a:t>
+            </a:r>
+            <a:r>
+              <a:rPr lang="en-US" dirty="0" smtClean="0">
+                <a:latin typeface="Consolas" pitchFamily="49" charset="0"/>
+                <a:cs typeface="Consolas" pitchFamily="49" charset="0"/>
+              </a:rPr>
+              <a:t>": </a:t>
+            </a:r>
+            <a:r>
+              <a:rPr lang="en-US" dirty="0" smtClean="0"/>
+              <a:t>name of the dump file. Dumps are saved in the mat format and can be processed with </a:t>
+            </a:r>
+            <a:r>
+              <a:rPr lang="en-US" dirty="0" err="1" smtClean="0"/>
+              <a:t>Matlab</a:t>
+            </a:r>
+            <a:r>
+              <a:rPr lang="en-US" dirty="0" smtClean="0"/>
+              <a:t> or Octave. </a:t>
+            </a:r>
             <a:endParaRPr lang="en-GB" dirty="0" smtClean="0"/>
           </a:p>
         </p:txBody>
@@ -6319,11 +6548,139 @@
         <p:spPr/>
         <p:txBody>
           <a:bodyPr>
-            <a:normAutofit/>
+            <a:normAutofit lnSpcReduction="10000"/>
           </a:bodyPr>
           <a:lstStyle/>
           <a:p>
             <a:pPr marL="514350" indent="-514350"/>
+            <a:r>
+              <a:rPr lang="en-GB" dirty="0" smtClean="0">
+                <a:latin typeface="Consolas" pitchFamily="49" charset="0"/>
+                <a:cs typeface="Consolas" pitchFamily="49" charset="0"/>
+              </a:rPr>
+              <a:t>“</a:t>
+            </a:r>
+            <a:r>
+              <a:rPr lang="en-GB" dirty="0" err="1" smtClean="0">
+                <a:latin typeface="Consolas" pitchFamily="49" charset="0"/>
+                <a:cs typeface="Consolas" pitchFamily="49" charset="0"/>
+              </a:rPr>
+              <a:t>log_file</a:t>
+            </a:r>
+            <a:r>
+              <a:rPr lang="en-GB" dirty="0" smtClean="0">
+                <a:latin typeface="Consolas" pitchFamily="49" charset="0"/>
+                <a:cs typeface="Consolas" pitchFamily="49" charset="0"/>
+              </a:rPr>
+              <a:t>”: </a:t>
+            </a:r>
+            <a:r>
+              <a:rPr lang="en-GB" dirty="0" smtClean="0"/>
+              <a:t>name of the log file</a:t>
+            </a:r>
+          </a:p>
+          <a:p>
+            <a:pPr marL="514350" indent="-514350"/>
+            <a:r>
+              <a:rPr lang="en-GB" dirty="0" smtClean="0">
+                <a:latin typeface="Consolas" pitchFamily="49" charset="0"/>
+                <a:cs typeface="Consolas" pitchFamily="49" charset="0"/>
+              </a:rPr>
+              <a:t>“handler”: </a:t>
+            </a:r>
+            <a:r>
+              <a:rPr lang="en-GB" dirty="0" smtClean="0"/>
+              <a:t>handler </a:t>
+            </a:r>
+            <a:r>
+              <a:rPr lang="en-GB" dirty="0" smtClean="0"/>
+              <a:t>and </a:t>
+            </a:r>
+            <a:r>
+              <a:rPr lang="en-GB" dirty="0" smtClean="0"/>
+              <a:t>formatter for </a:t>
+            </a:r>
+            <a:r>
+              <a:rPr lang="en-GB" dirty="0" smtClean="0"/>
+              <a:t>report </a:t>
+            </a:r>
+            <a:r>
+              <a:rPr lang="en-GB" dirty="0" smtClean="0"/>
+              <a:t>messages. </a:t>
+            </a:r>
+            <a:r>
+              <a:rPr lang="en-GB" dirty="0" smtClean="0">
+                <a:latin typeface="Consolas" pitchFamily="49" charset="0"/>
+                <a:cs typeface="Consolas" pitchFamily="49" charset="0"/>
+              </a:rPr>
+              <a:t>“unchanged” </a:t>
+            </a:r>
+            <a:r>
+              <a:rPr lang="en-GB" dirty="0" smtClean="0"/>
+              <a:t>– don’t change handler </a:t>
+            </a:r>
+            <a:r>
+              <a:rPr lang="en-GB" dirty="0" smtClean="0"/>
+              <a:t>(integration); </a:t>
+            </a:r>
+            <a:r>
+              <a:rPr lang="en-GB" dirty="0" smtClean="0">
+                <a:latin typeface="Consolas" pitchFamily="49" charset="0"/>
+                <a:cs typeface="Consolas" pitchFamily="49" charset="0"/>
+              </a:rPr>
+              <a:t>“default” </a:t>
+            </a:r>
+            <a:r>
+              <a:rPr lang="en-GB" dirty="0" smtClean="0"/>
+              <a:t>– native </a:t>
+            </a:r>
+            <a:r>
+              <a:rPr lang="en-GB" dirty="0" err="1" smtClean="0"/>
+              <a:t>SystemC</a:t>
+            </a:r>
+            <a:r>
+              <a:rPr lang="en-GB" dirty="0" smtClean="0"/>
+              <a:t> handler. </a:t>
+            </a:r>
+            <a:r>
+              <a:rPr lang="en-GB" dirty="0" smtClean="0">
+                <a:latin typeface="Consolas" pitchFamily="49" charset="0"/>
+                <a:cs typeface="Consolas" pitchFamily="49" charset="0"/>
+              </a:rPr>
+              <a:t>“</a:t>
+            </a:r>
+            <a:r>
+              <a:rPr lang="en-GB" dirty="0" err="1" smtClean="0">
+                <a:latin typeface="Consolas" pitchFamily="49" charset="0"/>
+                <a:cs typeface="Consolas" pitchFamily="49" charset="0"/>
+              </a:rPr>
+              <a:t>schd</a:t>
+            </a:r>
+            <a:r>
+              <a:rPr lang="en-GB" dirty="0" smtClean="0">
+                <a:latin typeface="Consolas" pitchFamily="49" charset="0"/>
+                <a:cs typeface="Consolas" pitchFamily="49" charset="0"/>
+              </a:rPr>
+              <a:t>” </a:t>
+            </a:r>
+            <a:r>
+              <a:rPr lang="en-GB" dirty="0" smtClean="0"/>
+              <a:t>– compact messages.</a:t>
+            </a:r>
+          </a:p>
+          <a:p>
+            <a:pPr marL="514350" indent="-514350"/>
+            <a:r>
+              <a:rPr lang="en-GB" dirty="0" smtClean="0">
+                <a:latin typeface="Consolas" pitchFamily="49" charset="0"/>
+                <a:cs typeface="Consolas" pitchFamily="49" charset="0"/>
+              </a:rPr>
+              <a:t>“bearing”: </a:t>
+            </a:r>
+            <a:r>
+              <a:rPr lang="en-GB" dirty="0" smtClean="0"/>
+              <a:t>array of bearings for different message types and severity levels. Please refer to section 8.3 in [3]</a:t>
+            </a:r>
             <a:endParaRPr lang="en-GB" dirty="0" smtClean="0"/>
           </a:p>
         </p:txBody>

--- a/doc/simschd.pptx
+++ b/doc/simschd.pptx
@@ -3365,6 +3365,13 @@
   <p:clrMapOvr>
     <a:masterClrMapping/>
   </p:clrMapOvr>
+  <p:timing>
+    <p:tnLst>
+      <p:par>
+        <p:cTn id="1" dur="indefinite" restart="never" nodeType="tmRoot"/>
+      </p:par>
+    </p:tnLst>
+  </p:timing>
 </p:sld>
 </file>
 
@@ -3460,6 +3467,13 @@
   <p:clrMapOvr>
     <a:masterClrMapping/>
   </p:clrMapOvr>
+  <p:timing>
+    <p:tnLst>
+      <p:par>
+        <p:cTn id="1" dur="indefinite" restart="never" nodeType="tmRoot"/>
+      </p:par>
+    </p:tnLst>
+  </p:timing>
 </p:sld>
 </file>
 
@@ -3704,6 +3718,13 @@
   <p:clrMapOvr>
     <a:masterClrMapping/>
   </p:clrMapOvr>
+  <p:timing>
+    <p:tnLst>
+      <p:par>
+        <p:cTn id="1" dur="indefinite" restart="never" nodeType="tmRoot"/>
+      </p:par>
+    </p:tnLst>
+  </p:timing>
 </p:sld>
 </file>
 
@@ -3794,6 +3815,13 @@
   <p:clrMapOvr>
     <a:masterClrMapping/>
   </p:clrMapOvr>
+  <p:timing>
+    <p:tnLst>
+      <p:par>
+        <p:cTn id="1" dur="indefinite" restart="never" nodeType="tmRoot"/>
+      </p:par>
+    </p:tnLst>
+  </p:timing>
 </p:sld>
 </file>
 
@@ -3915,6 +3943,13 @@
   <p:clrMapOvr>
     <a:masterClrMapping/>
   </p:clrMapOvr>
+  <p:timing>
+    <p:tnLst>
+      <p:par>
+        <p:cTn id="1" dur="indefinite" restart="never" nodeType="tmRoot"/>
+      </p:par>
+    </p:tnLst>
+  </p:timing>
 </p:sld>
 </file>
 
@@ -4011,6 +4046,13 @@
   <p:clrMapOvr>
     <a:masterClrMapping/>
   </p:clrMapOvr>
+  <p:timing>
+    <p:tnLst>
+      <p:par>
+        <p:cTn id="1" dur="indefinite" restart="never" nodeType="tmRoot"/>
+      </p:par>
+    </p:tnLst>
+  </p:timing>
 </p:sld>
 </file>
 
@@ -4105,6 +4147,13 @@
   <p:clrMapOvr>
     <a:masterClrMapping/>
   </p:clrMapOvr>
+  <p:timing>
+    <p:tnLst>
+      <p:par>
+        <p:cTn id="1" dur="indefinite" restart="never" nodeType="tmRoot"/>
+      </p:par>
+    </p:tnLst>
+  </p:timing>
 </p:sld>
 </file>
 
@@ -4153,6 +4202,13 @@
   <p:clrMapOvr>
     <a:masterClrMapping/>
   </p:clrMapOvr>
+  <p:timing>
+    <p:tnLst>
+      <p:par>
+        <p:cTn id="1" dur="indefinite" restart="never" nodeType="tmRoot"/>
+      </p:par>
+    </p:tnLst>
+  </p:timing>
 </p:sld>
 </file>
 
@@ -4228,6 +4284,13 @@
   <p:clrMapOvr>
     <a:masterClrMapping/>
   </p:clrMapOvr>
+  <p:timing>
+    <p:tnLst>
+      <p:par>
+        <p:cTn id="1" dur="indefinite" restart="never" nodeType="tmRoot"/>
+      </p:par>
+    </p:tnLst>
+  </p:timing>
 </p:sld>
 </file>
 
@@ -4267,7 +4330,15 @@
           <a:p>
             <a:r>
               <a:rPr lang="en-GB" dirty="0" smtClean="0"/>
-              <a:t>Top-level JSON Fields</a:t>
+              <a:t>Top-level </a:t>
+            </a:r>
+            <a:r>
+              <a:rPr lang="en-GB" smtClean="0"/>
+              <a:t>JSON </a:t>
+            </a:r>
+            <a:r>
+              <a:rPr lang="en-GB" smtClean="0"/>
+              <a:t>Sections</a:t>
             </a:r>
             <a:endParaRPr lang="en-US" dirty="0"/>
           </a:p>
@@ -4340,7 +4411,15 @@
             </a:r>
             <a:r>
               <a:rPr lang="en-GB" dirty="0" smtClean="0"/>
-              <a:t>of the names of the execution blocks available in the system</a:t>
+              <a:t>of the names of the execution blocks </a:t>
+            </a:r>
+            <a:r>
+              <a:rPr lang="en-GB" dirty="0" smtClean="0"/>
+              <a:t>in </a:t>
+            </a:r>
+            <a:r>
+              <a:rPr lang="en-GB" dirty="0" smtClean="0"/>
+              <a:t>the system</a:t>
             </a:r>
           </a:p>
           <a:p>
@@ -4443,6 +4522,13 @@
   <p:clrMapOvr>
     <a:masterClrMapping/>
   </p:clrMapOvr>
+  <p:timing>
+    <p:tnLst>
+      <p:par>
+        <p:cTn id="1" dur="indefinite" restart="never" nodeType="tmRoot"/>
+      </p:par>
+    </p:tnLst>
+  </p:timing>
 </p:sld>
 </file>
 
@@ -4719,6 +4805,13 @@
   <p:clrMapOvr>
     <a:masterClrMapping/>
   </p:clrMapOvr>
+  <p:timing>
+    <p:tnLst>
+      <p:par>
+        <p:cTn id="1" dur="indefinite" restart="never" nodeType="tmRoot"/>
+      </p:par>
+    </p:tnLst>
+  </p:timing>
 </p:sld>
 </file>
 
@@ -4954,6 +5047,13 @@
   <p:clrMapOvr>
     <a:masterClrMapping/>
   </p:clrMapOvr>
+  <p:timing>
+    <p:tnLst>
+      <p:par>
+        <p:cTn id="1" dur="indefinite" restart="never" nodeType="tmRoot"/>
+      </p:par>
+    </p:tnLst>
+  </p:timing>
 </p:sld>
 </file>
 
@@ -5163,6 +5263,13 @@
   <p:clrMapOvr>
     <a:masterClrMapping/>
   </p:clrMapOvr>
+  <p:timing>
+    <p:tnLst>
+      <p:par>
+        <p:cTn id="1" dur="indefinite" restart="never" nodeType="tmRoot"/>
+      </p:par>
+    </p:tnLst>
+  </p:timing>
 </p:sld>
 </file>
 
@@ -5337,6 +5444,13 @@
   <p:clrMapOvr>
     <a:masterClrMapping/>
   </p:clrMapOvr>
+  <p:timing>
+    <p:tnLst>
+      <p:par>
+        <p:cTn id="1" dur="indefinite" restart="never" nodeType="tmRoot"/>
+      </p:par>
+    </p:tnLst>
+  </p:timing>
 </p:sld>
 </file>
 
@@ -5413,15 +5527,7 @@
             </a:r>
             <a:r>
               <a:rPr lang="en-GB" dirty="0" smtClean="0"/>
-              <a:t>e of the execution block. It is </a:t>
-            </a:r>
-            <a:r>
-              <a:rPr lang="en-GB" smtClean="0"/>
-              <a:t>addressed from </a:t>
-            </a:r>
-            <a:r>
-              <a:rPr lang="en-GB" dirty="0" smtClean="0"/>
-              <a:t>the </a:t>
+              <a:t>e of the execution block. It is addressed from the </a:t>
             </a:r>
             <a:r>
               <a:rPr lang="en-GB" dirty="0" smtClean="0">
@@ -5443,6 +5549,13 @@
   <p:clrMapOvr>
     <a:masterClrMapping/>
   </p:clrMapOvr>
+  <p:timing>
+    <p:tnLst>
+      <p:par>
+        <p:cTn id="1" dur="indefinite" restart="never" nodeType="tmRoot"/>
+      </p:par>
+    </p:tnLst>
+  </p:timing>
 </p:sld>
 </file>
 
@@ -5575,6 +5688,13 @@
   <p:clrMapOvr>
     <a:masterClrMapping/>
   </p:clrMapOvr>
+  <p:timing>
+    <p:tnLst>
+      <p:par>
+        <p:cTn id="1" dur="indefinite" restart="never" nodeType="tmRoot"/>
+      </p:par>
+    </p:tnLst>
+  </p:timing>
 </p:sld>
 </file>
 
@@ -5696,6 +5816,13 @@
   <p:clrMapOvr>
     <a:masterClrMapping/>
   </p:clrMapOvr>
+  <p:timing>
+    <p:tnLst>
+      <p:par>
+        <p:cTn id="1" dur="indefinite" restart="never" nodeType="tmRoot"/>
+      </p:par>
+    </p:tnLst>
+  </p:timing>
 </p:sld>
 </file>
 
@@ -5847,6 +5974,13 @@
   <p:clrMapOvr>
     <a:masterClrMapping/>
   </p:clrMapOvr>
+  <p:timing>
+    <p:tnLst>
+      <p:par>
+        <p:cTn id="1" dur="indefinite" restart="never" nodeType="tmRoot"/>
+      </p:par>
+    </p:tnLst>
+  </p:timing>
 </p:sld>
 </file>
 
@@ -6149,6 +6283,13 @@
   <p:clrMapOvr>
     <a:masterClrMapping/>
   </p:clrMapOvr>
+  <p:timing>
+    <p:tnLst>
+      <p:par>
+        <p:cTn id="1" dur="indefinite" restart="never" nodeType="tmRoot"/>
+      </p:par>
+    </p:tnLst>
+  </p:timing>
 </p:sld>
 </file>
 
@@ -6442,6 +6583,13 @@
   <p:clrMapOvr>
     <a:masterClrMapping/>
   </p:clrMapOvr>
+  <p:timing>
+    <p:tnLst>
+      <p:par>
+        <p:cTn id="1" dur="indefinite" restart="never" nodeType="tmRoot"/>
+      </p:par>
+    </p:tnLst>
+  </p:timing>
 </p:sld>
 </file>
 
@@ -6490,6 +6638,13 @@
   <p:clrMapOvr>
     <a:masterClrMapping/>
   </p:clrMapOvr>
+  <p:timing>
+    <p:tnLst>
+      <p:par>
+        <p:cTn id="1" dur="indefinite" restart="never" nodeType="tmRoot"/>
+      </p:par>
+    </p:tnLst>
+  </p:timing>
 </p:sld>
 </file>
 
@@ -6690,6 +6845,13 @@
   <p:clrMapOvr>
     <a:masterClrMapping/>
   </p:clrMapOvr>
+  <p:timing>
+    <p:tnLst>
+      <p:par>
+        <p:cTn id="1" dur="indefinite" restart="never" nodeType="tmRoot"/>
+      </p:par>
+    </p:tnLst>
+  </p:timing>
 </p:sld>
 </file>
 
@@ -6738,6 +6900,13 @@
   <p:clrMapOvr>
     <a:masterClrMapping/>
   </p:clrMapOvr>
+  <p:timing>
+    <p:tnLst>
+      <p:par>
+        <p:cTn id="1" dur="indefinite" restart="never" nodeType="tmRoot"/>
+      </p:par>
+    </p:tnLst>
+  </p:timing>
 </p:sld>
 </file>
 
@@ -6785,6 +6954,13 @@
   <p:clrMapOvr>
     <a:masterClrMapping/>
   </p:clrMapOvr>
+  <p:timing>
+    <p:tnLst>
+      <p:par>
+        <p:cTn id="1" dur="indefinite" restart="never" nodeType="tmRoot"/>
+      </p:par>
+    </p:tnLst>
+  </p:timing>
 </p:sld>
 </file>
 
@@ -7000,6 +7176,13 @@
   <p:clrMapOvr>
     <a:masterClrMapping/>
   </p:clrMapOvr>
+  <p:timing>
+    <p:tnLst>
+      <p:par>
+        <p:cTn id="1" dur="indefinite" restart="never" nodeType="tmRoot"/>
+      </p:par>
+    </p:tnLst>
+  </p:timing>
 </p:sld>
 </file>
 
@@ -7092,6 +7275,13 @@
   <p:clrMapOvr>
     <a:masterClrMapping/>
   </p:clrMapOvr>
+  <p:timing>
+    <p:tnLst>
+      <p:par>
+        <p:cTn id="1" dur="indefinite" restart="never" nodeType="tmRoot"/>
+      </p:par>
+    </p:tnLst>
+  </p:timing>
 </p:sld>
 </file>
 
@@ -7201,6 +7391,13 @@
   <p:clrMapOvr>
     <a:masterClrMapping/>
   </p:clrMapOvr>
+  <p:timing>
+    <p:tnLst>
+      <p:par>
+        <p:cTn id="1" dur="indefinite" restart="never" nodeType="tmRoot"/>
+      </p:par>
+    </p:tnLst>
+  </p:timing>
 </p:sld>
 </file>
 
@@ -7311,6 +7508,13 @@
   <p:clrMapOvr>
     <a:masterClrMapping/>
   </p:clrMapOvr>
+  <p:timing>
+    <p:tnLst>
+      <p:par>
+        <p:cTn id="1" dur="indefinite" restart="never" nodeType="tmRoot"/>
+      </p:par>
+    </p:tnLst>
+  </p:timing>
 </p:sld>
 </file>
 
@@ -7359,6 +7563,13 @@
   <p:clrMapOvr>
     <a:masterClrMapping/>
   </p:clrMapOvr>
+  <p:timing>
+    <p:tnLst>
+      <p:par>
+        <p:cTn id="1" dur="indefinite" restart="never" nodeType="tmRoot"/>
+      </p:par>
+    </p:tnLst>
+  </p:timing>
 </p:sld>
 </file>
 
@@ -7579,6 +7790,13 @@
   <p:clrMapOvr>
     <a:masterClrMapping/>
   </p:clrMapOvr>
+  <p:timing>
+    <p:tnLst>
+      <p:par>
+        <p:cTn id="1" dur="indefinite" restart="never" nodeType="tmRoot"/>
+      </p:par>
+    </p:tnLst>
+  </p:timing>
 </p:sld>
 </file>
 
@@ -7685,6 +7903,13 @@
   <p:clrMapOvr>
     <a:masterClrMapping/>
   </p:clrMapOvr>
+  <p:timing>
+    <p:tnLst>
+      <p:par>
+        <p:cTn id="1" dur="indefinite" restart="never" nodeType="tmRoot"/>
+      </p:par>
+    </p:tnLst>
+  </p:timing>
 </p:sld>
 </file>
 
